--- a/doc/poster.pptx
+++ b/doc/poster.pptx
@@ -3202,18 +3202,7 @@
                 <a:ea typeface="Open Sans Semibold" panose="020B0706030804020204" pitchFamily="34" charset="0"/>
                 <a:cs typeface="Open Sans Semibold" panose="020B0706030804020204" pitchFamily="34" charset="0"/>
               </a:rPr>
-              <a:t>Predicting age and gender from a patient’s</a:t>
-            </a:r>
-          </a:p>
-          <a:p>
-            <a:pPr algn="ctr"/>
-            <a:r>
-              <a:rPr lang="et-EE" sz="12000" dirty="0">
-                <a:latin typeface="Open Sans Semibold" panose="020B0706030804020204" pitchFamily="34" charset="0"/>
-                <a:ea typeface="Open Sans Semibold" panose="020B0706030804020204" pitchFamily="34" charset="0"/>
-                <a:cs typeface="Open Sans Semibold" panose="020B0706030804020204" pitchFamily="34" charset="0"/>
-              </a:rPr>
-              <a:t>m</a:t>
+              <a:t>Predicting age and gender from a </a:t>
             </a:r>
             <a:r>
               <a:rPr lang="et-EE" sz="12000" dirty="0" smtClean="0">
@@ -3221,7 +3210,26 @@
                 <a:ea typeface="Open Sans Semibold" panose="020B0706030804020204" pitchFamily="34" charset="0"/>
                 <a:cs typeface="Open Sans Semibold" panose="020B0706030804020204" pitchFamily="34" charset="0"/>
               </a:rPr>
-              <a:t>edical diagnoses</a:t>
+              <a:t>patient’s</a:t>
+            </a:r>
+          </a:p>
+          <a:p>
+            <a:pPr algn="ctr"/>
+            <a:r>
+              <a:rPr lang="et-EE" sz="12000" dirty="0" smtClean="0">
+                <a:latin typeface="Open Sans Semibold" panose="020B0706030804020204" pitchFamily="34" charset="0"/>
+                <a:ea typeface="Open Sans Semibold" panose="020B0706030804020204" pitchFamily="34" charset="0"/>
+                <a:cs typeface="Open Sans Semibold" panose="020B0706030804020204" pitchFamily="34" charset="0"/>
+              </a:rPr>
+              <a:t>medical </a:t>
+            </a:r>
+            <a:r>
+              <a:rPr lang="et-EE" sz="12000" dirty="0" smtClean="0">
+                <a:latin typeface="Open Sans Semibold" panose="020B0706030804020204" pitchFamily="34" charset="0"/>
+                <a:ea typeface="Open Sans Semibold" panose="020B0706030804020204" pitchFamily="34" charset="0"/>
+                <a:cs typeface="Open Sans Semibold" panose="020B0706030804020204" pitchFamily="34" charset="0"/>
+              </a:rPr>
+              <a:t>diagnoses</a:t>
             </a:r>
             <a:endParaRPr lang="et-EE" sz="12000" dirty="0">
               <a:latin typeface="Open Sans Semibold" panose="020B0706030804020204" pitchFamily="34" charset="0"/>

--- a/doc/poster.pptx
+++ b/doc/poster.pptx
@@ -3202,34 +3202,18 @@
                 <a:ea typeface="Open Sans Semibold" panose="020B0706030804020204" pitchFamily="34" charset="0"/>
                 <a:cs typeface="Open Sans Semibold" panose="020B0706030804020204" pitchFamily="34" charset="0"/>
               </a:rPr>
-              <a:t>Predicting age and gender from a </a:t>
-            </a:r>
+              <a:t>Predicting age and gender from a patient’s</a:t>
+            </a:r>
+          </a:p>
+          <a:p>
+            <a:pPr algn="ctr"/>
             <a:r>
               <a:rPr lang="et-EE" sz="12000" dirty="0" smtClean="0">
                 <a:latin typeface="Open Sans Semibold" panose="020B0706030804020204" pitchFamily="34" charset="0"/>
                 <a:ea typeface="Open Sans Semibold" panose="020B0706030804020204" pitchFamily="34" charset="0"/>
                 <a:cs typeface="Open Sans Semibold" panose="020B0706030804020204" pitchFamily="34" charset="0"/>
               </a:rPr>
-              <a:t>patient’s</a:t>
-            </a:r>
-          </a:p>
-          <a:p>
-            <a:pPr algn="ctr"/>
-            <a:r>
-              <a:rPr lang="et-EE" sz="12000" dirty="0" smtClean="0">
-                <a:latin typeface="Open Sans Semibold" panose="020B0706030804020204" pitchFamily="34" charset="0"/>
-                <a:ea typeface="Open Sans Semibold" panose="020B0706030804020204" pitchFamily="34" charset="0"/>
-                <a:cs typeface="Open Sans Semibold" panose="020B0706030804020204" pitchFamily="34" charset="0"/>
-              </a:rPr>
-              <a:t>medical </a:t>
-            </a:r>
-            <a:r>
-              <a:rPr lang="et-EE" sz="12000" dirty="0" smtClean="0">
-                <a:latin typeface="Open Sans Semibold" panose="020B0706030804020204" pitchFamily="34" charset="0"/>
-                <a:ea typeface="Open Sans Semibold" panose="020B0706030804020204" pitchFamily="34" charset="0"/>
-                <a:cs typeface="Open Sans Semibold" panose="020B0706030804020204" pitchFamily="34" charset="0"/>
-              </a:rPr>
-              <a:t>diagnoses</a:t>
+              <a:t>medical diagnoses</a:t>
             </a:r>
             <a:endParaRPr lang="et-EE" sz="12000" dirty="0">
               <a:latin typeface="Open Sans Semibold" panose="020B0706030804020204" pitchFamily="34" charset="0"/>
@@ -3247,8 +3231,8 @@
         </p:nvSpPr>
         <p:spPr>
           <a:xfrm>
-            <a:off x="-1" y="4852988"/>
-            <a:ext cx="42808526" cy="1600200"/>
+            <a:off x="-1" y="4852987"/>
+            <a:ext cx="42808526" cy="2285999"/>
           </a:xfrm>
           <a:prstGeom prst="rect">
             <a:avLst/>
@@ -3296,8 +3280,8 @@
         </p:nvSpPr>
         <p:spPr>
           <a:xfrm>
-            <a:off x="14030865" y="5068311"/>
-            <a:ext cx="14746793" cy="1169551"/>
+            <a:off x="15936227" y="5068311"/>
+            <a:ext cx="10936071" cy="861774"/>
           </a:xfrm>
           <a:prstGeom prst="rect">
             <a:avLst/>
@@ -3312,17 +3296,17 @@
           <a:p>
             <a:pPr algn="ctr"/>
             <a:r>
-              <a:rPr lang="et-EE" sz="7000" dirty="0" smtClean="0">
-                <a:latin typeface="Open Sans" panose="020B0606030504020204" pitchFamily="34" charset="0"/>
-                <a:ea typeface="Open Sans" panose="020B0606030504020204" pitchFamily="34" charset="0"/>
-                <a:cs typeface="Open Sans" panose="020B0606030504020204" pitchFamily="34" charset="0"/>
+              <a:rPr lang="et-EE" sz="5000" dirty="0" smtClean="0">
+                <a:latin typeface="Open Sans Semibold" panose="020B0706030804020204" pitchFamily="34" charset="0"/>
+                <a:ea typeface="Open Sans Semibold" panose="020B0706030804020204" pitchFamily="34" charset="0"/>
+                <a:cs typeface="Open Sans Semibold" panose="020B0706030804020204" pitchFamily="34" charset="0"/>
               </a:rPr>
-              <a:t>Taivo Pungas, Hans Peeter Tulmin</a:t>
-            </a:r>
-            <a:endParaRPr lang="et-EE" sz="7000" dirty="0">
-              <a:latin typeface="Open Sans" panose="020B0606030504020204" pitchFamily="34" charset="0"/>
-              <a:ea typeface="Open Sans" panose="020B0606030504020204" pitchFamily="34" charset="0"/>
-              <a:cs typeface="Open Sans" panose="020B0606030504020204" pitchFamily="34" charset="0"/>
+              <a:t>Taivo Pungas*, Hans Peeter Tulmin</a:t>
+            </a:r>
+            <a:endParaRPr lang="et-EE" sz="5000" dirty="0">
+              <a:latin typeface="Open Sans Semibold" panose="020B0706030804020204" pitchFamily="34" charset="0"/>
+              <a:ea typeface="Open Sans Semibold" panose="020B0706030804020204" pitchFamily="34" charset="0"/>
+              <a:cs typeface="Open Sans Semibold" panose="020B0706030804020204" pitchFamily="34" charset="0"/>
             </a:endParaRPr>
           </a:p>
         </p:txBody>
@@ -3370,14 +3354,14 @@
       </p:pic>
       <p:sp>
         <p:nvSpPr>
-          <p:cNvPr id="2" name="TextBox 1"/>
+          <p:cNvPr id="10" name="TextBox 9"/>
           <p:cNvSpPr txBox="1"/>
           <p:nvPr/>
         </p:nvSpPr>
         <p:spPr>
           <a:xfrm>
-            <a:off x="971675" y="7672387"/>
-            <a:ext cx="12210003" cy="9787295"/>
+            <a:off x="11408624" y="5972413"/>
+            <a:ext cx="19991307" cy="861774"/>
           </a:xfrm>
           <a:prstGeom prst="rect">
             <a:avLst/>
@@ -3385,128 +3369,430 @@
           <a:noFill/>
         </p:spPr>
         <p:txBody>
-          <a:bodyPr wrap="square" rtlCol="0">
+          <a:bodyPr wrap="none" rtlCol="0">
             <a:spAutoFit/>
           </a:bodyPr>
           <a:lstStyle/>
           <a:p>
-            <a:r>
-              <a:rPr lang="et-EE" sz="7000" dirty="0" smtClean="0">
+            <a:pPr algn="ctr"/>
+            <a:r>
+              <a:rPr lang="et-EE" sz="5000" dirty="0" smtClean="0">
                 <a:latin typeface="Open Sans" panose="020B0606030504020204" pitchFamily="34" charset="0"/>
                 <a:ea typeface="Open Sans" panose="020B0606030504020204" pitchFamily="34" charset="0"/>
                 <a:cs typeface="Open Sans" panose="020B0606030504020204" pitchFamily="34" charset="0"/>
               </a:rPr>
-              <a:t>Results</a:t>
-            </a:r>
-          </a:p>
-          <a:p>
-            <a:r>
-              <a:rPr lang="et-EE" sz="4000" dirty="0" smtClean="0">
-                <a:latin typeface="Open Sans" panose="020B0606030504020204" pitchFamily="34" charset="0"/>
-                <a:ea typeface="Open Sans" panose="020B0606030504020204" pitchFamily="34" charset="0"/>
-                <a:cs typeface="Open Sans" panose="020B0606030504020204" pitchFamily="34" charset="0"/>
-              </a:rPr>
-              <a:t>Lorem ipsum dolor sit amet</a:t>
-            </a:r>
-            <a:endParaRPr lang="et-EE" sz="4000" dirty="0">
+              <a:t>Institute of Computer Science, University of Tartu, *tpungas@ut.ee</a:t>
+            </a:r>
+            <a:endParaRPr lang="et-EE" sz="5000" dirty="0">
               <a:latin typeface="Open Sans" panose="020B0606030504020204" pitchFamily="34" charset="0"/>
               <a:ea typeface="Open Sans" panose="020B0606030504020204" pitchFamily="34" charset="0"/>
               <a:cs typeface="Open Sans" panose="020B0606030504020204" pitchFamily="34" charset="0"/>
             </a:endParaRPr>
           </a:p>
-          <a:p>
-            <a:endParaRPr lang="et-EE" sz="4000" dirty="0" smtClean="0">
-              <a:latin typeface="Open Sans" panose="020B0606030504020204" pitchFamily="34" charset="0"/>
-              <a:ea typeface="Open Sans" panose="020B0606030504020204" pitchFamily="34" charset="0"/>
-              <a:cs typeface="Open Sans" panose="020B0606030504020204" pitchFamily="34" charset="0"/>
-            </a:endParaRPr>
-          </a:p>
-          <a:p>
-            <a:endParaRPr lang="et-EE" sz="4000" dirty="0">
-              <a:latin typeface="Open Sans" panose="020B0606030504020204" pitchFamily="34" charset="0"/>
-              <a:ea typeface="Open Sans" panose="020B0606030504020204" pitchFamily="34" charset="0"/>
-              <a:cs typeface="Open Sans" panose="020B0606030504020204" pitchFamily="34" charset="0"/>
-            </a:endParaRPr>
-          </a:p>
-          <a:p>
-            <a:endParaRPr lang="et-EE" sz="4000" dirty="0" smtClean="0">
-              <a:latin typeface="Open Sans" panose="020B0606030504020204" pitchFamily="34" charset="0"/>
-              <a:ea typeface="Open Sans" panose="020B0606030504020204" pitchFamily="34" charset="0"/>
-              <a:cs typeface="Open Sans" panose="020B0606030504020204" pitchFamily="34" charset="0"/>
-            </a:endParaRPr>
-          </a:p>
-          <a:p>
-            <a:endParaRPr lang="et-EE" sz="4000" dirty="0">
-              <a:latin typeface="Open Sans" panose="020B0606030504020204" pitchFamily="34" charset="0"/>
-              <a:ea typeface="Open Sans" panose="020B0606030504020204" pitchFamily="34" charset="0"/>
-              <a:cs typeface="Open Sans" panose="020B0606030504020204" pitchFamily="34" charset="0"/>
-            </a:endParaRPr>
-          </a:p>
-          <a:p>
-            <a:endParaRPr lang="et-EE" sz="4000" dirty="0" smtClean="0">
-              <a:latin typeface="Open Sans" panose="020B0606030504020204" pitchFamily="34" charset="0"/>
-              <a:ea typeface="Open Sans" panose="020B0606030504020204" pitchFamily="34" charset="0"/>
-              <a:cs typeface="Open Sans" panose="020B0606030504020204" pitchFamily="34" charset="0"/>
-            </a:endParaRPr>
-          </a:p>
-          <a:p>
-            <a:endParaRPr lang="et-EE" sz="4000" dirty="0">
-              <a:latin typeface="Open Sans" panose="020B0606030504020204" pitchFamily="34" charset="0"/>
-              <a:ea typeface="Open Sans" panose="020B0606030504020204" pitchFamily="34" charset="0"/>
-              <a:cs typeface="Open Sans" panose="020B0606030504020204" pitchFamily="34" charset="0"/>
-            </a:endParaRPr>
-          </a:p>
-          <a:p>
-            <a:endParaRPr lang="et-EE" sz="4000" dirty="0" smtClean="0">
-              <a:latin typeface="Open Sans" panose="020B0606030504020204" pitchFamily="34" charset="0"/>
-              <a:ea typeface="Open Sans" panose="020B0606030504020204" pitchFamily="34" charset="0"/>
-              <a:cs typeface="Open Sans" panose="020B0606030504020204" pitchFamily="34" charset="0"/>
-            </a:endParaRPr>
-          </a:p>
-          <a:p>
-            <a:endParaRPr lang="et-EE" sz="4000" dirty="0">
-              <a:latin typeface="Open Sans" panose="020B0606030504020204" pitchFamily="34" charset="0"/>
-              <a:ea typeface="Open Sans" panose="020B0606030504020204" pitchFamily="34" charset="0"/>
-              <a:cs typeface="Open Sans" panose="020B0606030504020204" pitchFamily="34" charset="0"/>
-            </a:endParaRPr>
-          </a:p>
-          <a:p>
-            <a:endParaRPr lang="et-EE" sz="4000" dirty="0" smtClean="0">
-              <a:latin typeface="Open Sans" panose="020B0606030504020204" pitchFamily="34" charset="0"/>
-              <a:ea typeface="Open Sans" panose="020B0606030504020204" pitchFamily="34" charset="0"/>
-              <a:cs typeface="Open Sans" panose="020B0606030504020204" pitchFamily="34" charset="0"/>
-            </a:endParaRPr>
-          </a:p>
-          <a:p>
-            <a:endParaRPr lang="et-EE" sz="4000" dirty="0">
-              <a:latin typeface="Open Sans" panose="020B0606030504020204" pitchFamily="34" charset="0"/>
-              <a:ea typeface="Open Sans" panose="020B0606030504020204" pitchFamily="34" charset="0"/>
-              <a:cs typeface="Open Sans" panose="020B0606030504020204" pitchFamily="34" charset="0"/>
-            </a:endParaRPr>
-          </a:p>
-          <a:p>
-            <a:endParaRPr lang="et-EE" sz="4000" dirty="0" smtClean="0">
-              <a:latin typeface="Open Sans" panose="020B0606030504020204" pitchFamily="34" charset="0"/>
-              <a:ea typeface="Open Sans" panose="020B0606030504020204" pitchFamily="34" charset="0"/>
-              <a:cs typeface="Open Sans" panose="020B0606030504020204" pitchFamily="34" charset="0"/>
-            </a:endParaRPr>
-          </a:p>
-          <a:p>
-            <a:endParaRPr lang="et-EE" sz="4000" dirty="0">
-              <a:latin typeface="Open Sans" panose="020B0606030504020204" pitchFamily="34" charset="0"/>
-              <a:ea typeface="Open Sans" panose="020B0606030504020204" pitchFamily="34" charset="0"/>
-              <a:cs typeface="Open Sans" panose="020B0606030504020204" pitchFamily="34" charset="0"/>
-            </a:endParaRPr>
-          </a:p>
-          <a:p>
-            <a:endParaRPr lang="et-EE" sz="4000" dirty="0">
-              <a:latin typeface="Open Sans" panose="020B0606030504020204" pitchFamily="34" charset="0"/>
-              <a:ea typeface="Open Sans" panose="020B0606030504020204" pitchFamily="34" charset="0"/>
-              <a:cs typeface="Open Sans" panose="020B0606030504020204" pitchFamily="34" charset="0"/>
-            </a:endParaRPr>
-          </a:p>
-        </p:txBody>
-      </p:sp>
+        </p:txBody>
+      </p:sp>
+      <p:grpSp>
+        <p:nvGrpSpPr>
+          <p:cNvPr id="3" name="Group 2"/>
+          <p:cNvGrpSpPr/>
+          <p:nvPr/>
+        </p:nvGrpSpPr>
+        <p:grpSpPr>
+          <a:xfrm>
+            <a:off x="945447" y="8504621"/>
+            <a:ext cx="12210004" cy="11285041"/>
+            <a:chOff x="971674" y="7672387"/>
+            <a:chExt cx="12210004" cy="11285041"/>
+          </a:xfrm>
+        </p:grpSpPr>
+        <p:sp>
+          <p:nvSpPr>
+            <p:cNvPr id="2" name="TextBox 1"/>
+            <p:cNvSpPr txBox="1"/>
+            <p:nvPr/>
+          </p:nvSpPr>
+          <p:spPr>
+            <a:xfrm>
+              <a:off x="971675" y="7672387"/>
+              <a:ext cx="12210003" cy="1169551"/>
+            </a:xfrm>
+            <a:prstGeom prst="rect">
+              <a:avLst/>
+            </a:prstGeom>
+            <a:solidFill>
+              <a:schemeClr val="bg2">
+                <a:lumMod val="90000"/>
+              </a:schemeClr>
+            </a:solidFill>
+          </p:spPr>
+          <p:txBody>
+            <a:bodyPr wrap="square" rtlCol="0">
+              <a:spAutoFit/>
+            </a:bodyPr>
+            <a:lstStyle/>
+            <a:p>
+              <a:r>
+                <a:rPr lang="et-EE" sz="7000" dirty="0" smtClean="0">
+                  <a:latin typeface="Open Sans" panose="020B0606030504020204" pitchFamily="34" charset="0"/>
+                  <a:ea typeface="Open Sans" panose="020B0606030504020204" pitchFamily="34" charset="0"/>
+                  <a:cs typeface="Open Sans" panose="020B0606030504020204" pitchFamily="34" charset="0"/>
+                </a:rPr>
+                <a:t>Results</a:t>
+              </a:r>
+              <a:endParaRPr lang="et-EE" sz="4000" dirty="0">
+                <a:latin typeface="Open Sans" panose="020B0606030504020204" pitchFamily="34" charset="0"/>
+                <a:ea typeface="Open Sans" panose="020B0606030504020204" pitchFamily="34" charset="0"/>
+                <a:cs typeface="Open Sans" panose="020B0606030504020204" pitchFamily="34" charset="0"/>
+              </a:endParaRPr>
+            </a:p>
+          </p:txBody>
+        </p:sp>
+        <p:sp>
+          <p:nvSpPr>
+            <p:cNvPr id="11" name="TextBox 10"/>
+            <p:cNvSpPr txBox="1"/>
+            <p:nvPr/>
+          </p:nvSpPr>
+          <p:spPr>
+            <a:xfrm>
+              <a:off x="971674" y="9016245"/>
+              <a:ext cx="12210003" cy="9941183"/>
+            </a:xfrm>
+            <a:prstGeom prst="rect">
+              <a:avLst/>
+            </a:prstGeom>
+            <a:solidFill>
+              <a:schemeClr val="bg1">
+                <a:lumMod val="95000"/>
+              </a:schemeClr>
+            </a:solidFill>
+          </p:spPr>
+          <p:txBody>
+            <a:bodyPr wrap="square" rtlCol="0">
+              <a:spAutoFit/>
+            </a:bodyPr>
+            <a:lstStyle/>
+            <a:p>
+              <a:r>
+                <a:rPr lang="et-EE" sz="4000" dirty="0" smtClean="0">
+                  <a:latin typeface="Open Sans" panose="020B0606030504020204" pitchFamily="34" charset="0"/>
+                  <a:ea typeface="Open Sans" panose="020B0606030504020204" pitchFamily="34" charset="0"/>
+                  <a:cs typeface="Open Sans" panose="020B0606030504020204" pitchFamily="34" charset="0"/>
+                </a:rPr>
+                <a:t>Lorem</a:t>
+              </a:r>
+            </a:p>
+            <a:p>
+              <a:endParaRPr lang="et-EE" sz="4000" dirty="0">
+                <a:latin typeface="Open Sans" panose="020B0606030504020204" pitchFamily="34" charset="0"/>
+                <a:ea typeface="Open Sans" panose="020B0606030504020204" pitchFamily="34" charset="0"/>
+                <a:cs typeface="Open Sans" panose="020B0606030504020204" pitchFamily="34" charset="0"/>
+              </a:endParaRPr>
+            </a:p>
+            <a:p>
+              <a:endParaRPr lang="et-EE" sz="4000" dirty="0" smtClean="0">
+                <a:latin typeface="Open Sans" panose="020B0606030504020204" pitchFamily="34" charset="0"/>
+                <a:ea typeface="Open Sans" panose="020B0606030504020204" pitchFamily="34" charset="0"/>
+                <a:cs typeface="Open Sans" panose="020B0606030504020204" pitchFamily="34" charset="0"/>
+              </a:endParaRPr>
+            </a:p>
+            <a:p>
+              <a:endParaRPr lang="et-EE" sz="4000" dirty="0">
+                <a:latin typeface="Open Sans" panose="020B0606030504020204" pitchFamily="34" charset="0"/>
+                <a:ea typeface="Open Sans" panose="020B0606030504020204" pitchFamily="34" charset="0"/>
+                <a:cs typeface="Open Sans" panose="020B0606030504020204" pitchFamily="34" charset="0"/>
+              </a:endParaRPr>
+            </a:p>
+            <a:p>
+              <a:endParaRPr lang="et-EE" sz="4000" dirty="0" smtClean="0">
+                <a:latin typeface="Open Sans" panose="020B0606030504020204" pitchFamily="34" charset="0"/>
+                <a:ea typeface="Open Sans" panose="020B0606030504020204" pitchFamily="34" charset="0"/>
+                <a:cs typeface="Open Sans" panose="020B0606030504020204" pitchFamily="34" charset="0"/>
+              </a:endParaRPr>
+            </a:p>
+            <a:p>
+              <a:endParaRPr lang="et-EE" sz="4000" dirty="0">
+                <a:latin typeface="Open Sans" panose="020B0606030504020204" pitchFamily="34" charset="0"/>
+                <a:ea typeface="Open Sans" panose="020B0606030504020204" pitchFamily="34" charset="0"/>
+                <a:cs typeface="Open Sans" panose="020B0606030504020204" pitchFamily="34" charset="0"/>
+              </a:endParaRPr>
+            </a:p>
+            <a:p>
+              <a:endParaRPr lang="et-EE" sz="4000" dirty="0" smtClean="0">
+                <a:latin typeface="Open Sans" panose="020B0606030504020204" pitchFamily="34" charset="0"/>
+                <a:ea typeface="Open Sans" panose="020B0606030504020204" pitchFamily="34" charset="0"/>
+                <a:cs typeface="Open Sans" panose="020B0606030504020204" pitchFamily="34" charset="0"/>
+              </a:endParaRPr>
+            </a:p>
+            <a:p>
+              <a:endParaRPr lang="et-EE" sz="4000" dirty="0">
+                <a:latin typeface="Open Sans" panose="020B0606030504020204" pitchFamily="34" charset="0"/>
+                <a:ea typeface="Open Sans" panose="020B0606030504020204" pitchFamily="34" charset="0"/>
+                <a:cs typeface="Open Sans" panose="020B0606030504020204" pitchFamily="34" charset="0"/>
+              </a:endParaRPr>
+            </a:p>
+            <a:p>
+              <a:endParaRPr lang="et-EE" sz="4000" dirty="0" smtClean="0">
+                <a:latin typeface="Open Sans" panose="020B0606030504020204" pitchFamily="34" charset="0"/>
+                <a:ea typeface="Open Sans" panose="020B0606030504020204" pitchFamily="34" charset="0"/>
+                <a:cs typeface="Open Sans" panose="020B0606030504020204" pitchFamily="34" charset="0"/>
+              </a:endParaRPr>
+            </a:p>
+            <a:p>
+              <a:endParaRPr lang="et-EE" sz="4000" dirty="0">
+                <a:latin typeface="Open Sans" panose="020B0606030504020204" pitchFamily="34" charset="0"/>
+                <a:ea typeface="Open Sans" panose="020B0606030504020204" pitchFamily="34" charset="0"/>
+                <a:cs typeface="Open Sans" panose="020B0606030504020204" pitchFamily="34" charset="0"/>
+              </a:endParaRPr>
+            </a:p>
+            <a:p>
+              <a:endParaRPr lang="et-EE" sz="4000" dirty="0" smtClean="0">
+                <a:latin typeface="Open Sans" panose="020B0606030504020204" pitchFamily="34" charset="0"/>
+                <a:ea typeface="Open Sans" panose="020B0606030504020204" pitchFamily="34" charset="0"/>
+                <a:cs typeface="Open Sans" panose="020B0606030504020204" pitchFamily="34" charset="0"/>
+              </a:endParaRPr>
+            </a:p>
+            <a:p>
+              <a:endParaRPr lang="et-EE" sz="4000" dirty="0">
+                <a:latin typeface="Open Sans" panose="020B0606030504020204" pitchFamily="34" charset="0"/>
+                <a:ea typeface="Open Sans" panose="020B0606030504020204" pitchFamily="34" charset="0"/>
+                <a:cs typeface="Open Sans" panose="020B0606030504020204" pitchFamily="34" charset="0"/>
+              </a:endParaRPr>
+            </a:p>
+            <a:p>
+              <a:endParaRPr lang="et-EE" sz="4000" dirty="0" smtClean="0">
+                <a:latin typeface="Open Sans" panose="020B0606030504020204" pitchFamily="34" charset="0"/>
+                <a:ea typeface="Open Sans" panose="020B0606030504020204" pitchFamily="34" charset="0"/>
+                <a:cs typeface="Open Sans" panose="020B0606030504020204" pitchFamily="34" charset="0"/>
+              </a:endParaRPr>
+            </a:p>
+            <a:p>
+              <a:endParaRPr lang="et-EE" sz="4000" dirty="0">
+                <a:latin typeface="Open Sans" panose="020B0606030504020204" pitchFamily="34" charset="0"/>
+                <a:ea typeface="Open Sans" panose="020B0606030504020204" pitchFamily="34" charset="0"/>
+                <a:cs typeface="Open Sans" panose="020B0606030504020204" pitchFamily="34" charset="0"/>
+              </a:endParaRPr>
+            </a:p>
+            <a:p>
+              <a:endParaRPr lang="et-EE" sz="4000" dirty="0" smtClean="0">
+                <a:latin typeface="Open Sans" panose="020B0606030504020204" pitchFamily="34" charset="0"/>
+                <a:ea typeface="Open Sans" panose="020B0606030504020204" pitchFamily="34" charset="0"/>
+                <a:cs typeface="Open Sans" panose="020B0606030504020204" pitchFamily="34" charset="0"/>
+              </a:endParaRPr>
+            </a:p>
+            <a:p>
+              <a:r>
+                <a:rPr lang="et-EE" sz="4000" dirty="0" smtClean="0">
+                  <a:latin typeface="Open Sans" panose="020B0606030504020204" pitchFamily="34" charset="0"/>
+                  <a:ea typeface="Open Sans" panose="020B0606030504020204" pitchFamily="34" charset="0"/>
+                  <a:cs typeface="Open Sans" panose="020B0606030504020204" pitchFamily="34" charset="0"/>
+                </a:rPr>
+                <a:t>ipsum</a:t>
+              </a:r>
+              <a:endParaRPr lang="et-EE" sz="4000" dirty="0">
+                <a:latin typeface="Open Sans" panose="020B0606030504020204" pitchFamily="34" charset="0"/>
+                <a:ea typeface="Open Sans" panose="020B0606030504020204" pitchFamily="34" charset="0"/>
+                <a:cs typeface="Open Sans" panose="020B0606030504020204" pitchFamily="34" charset="0"/>
+              </a:endParaRPr>
+            </a:p>
+          </p:txBody>
+        </p:sp>
+      </p:grpSp>
+      <p:grpSp>
+        <p:nvGrpSpPr>
+          <p:cNvPr id="12" name="Group 11"/>
+          <p:cNvGrpSpPr/>
+          <p:nvPr/>
+        </p:nvGrpSpPr>
+        <p:grpSpPr>
+          <a:xfrm>
+            <a:off x="14692456" y="8504621"/>
+            <a:ext cx="12210004" cy="10053935"/>
+            <a:chOff x="971674" y="7672387"/>
+            <a:chExt cx="12210004" cy="10053935"/>
+          </a:xfrm>
+        </p:grpSpPr>
+        <p:sp>
+          <p:nvSpPr>
+            <p:cNvPr id="13" name="TextBox 12"/>
+            <p:cNvSpPr txBox="1"/>
+            <p:nvPr/>
+          </p:nvSpPr>
+          <p:spPr>
+            <a:xfrm>
+              <a:off x="971675" y="7672387"/>
+              <a:ext cx="12210003" cy="1169551"/>
+            </a:xfrm>
+            <a:prstGeom prst="rect">
+              <a:avLst/>
+            </a:prstGeom>
+            <a:solidFill>
+              <a:schemeClr val="bg2">
+                <a:lumMod val="90000"/>
+              </a:schemeClr>
+            </a:solidFill>
+          </p:spPr>
+          <p:txBody>
+            <a:bodyPr wrap="square" rtlCol="0">
+              <a:spAutoFit/>
+            </a:bodyPr>
+            <a:lstStyle/>
+            <a:p>
+              <a:r>
+                <a:rPr lang="et-EE" sz="7000" dirty="0" smtClean="0">
+                  <a:latin typeface="Open Sans" panose="020B0606030504020204" pitchFamily="34" charset="0"/>
+                  <a:ea typeface="Open Sans" panose="020B0606030504020204" pitchFamily="34" charset="0"/>
+                  <a:cs typeface="Open Sans" panose="020B0606030504020204" pitchFamily="34" charset="0"/>
+                </a:rPr>
+                <a:t>Data</a:t>
+              </a:r>
+              <a:endParaRPr lang="et-EE" sz="7000" dirty="0">
+                <a:latin typeface="Open Sans" panose="020B0606030504020204" pitchFamily="34" charset="0"/>
+                <a:ea typeface="Open Sans" panose="020B0606030504020204" pitchFamily="34" charset="0"/>
+                <a:cs typeface="Open Sans" panose="020B0606030504020204" pitchFamily="34" charset="0"/>
+              </a:endParaRPr>
+            </a:p>
+          </p:txBody>
+        </p:sp>
+        <p:sp>
+          <p:nvSpPr>
+            <p:cNvPr id="14" name="TextBox 13"/>
+            <p:cNvSpPr txBox="1"/>
+            <p:nvPr/>
+          </p:nvSpPr>
+          <p:spPr>
+            <a:xfrm>
+              <a:off x="971674" y="9016245"/>
+              <a:ext cx="12210003" cy="8710077"/>
+            </a:xfrm>
+            <a:prstGeom prst="rect">
+              <a:avLst/>
+            </a:prstGeom>
+            <a:solidFill>
+              <a:schemeClr val="bg1">
+                <a:lumMod val="95000"/>
+              </a:schemeClr>
+            </a:solidFill>
+          </p:spPr>
+          <p:txBody>
+            <a:bodyPr wrap="square" rtlCol="0">
+              <a:spAutoFit/>
+            </a:bodyPr>
+            <a:lstStyle/>
+            <a:p>
+              <a:pPr algn="just">
+                <a:lnSpc>
+                  <a:spcPts val="4800"/>
+                </a:lnSpc>
+              </a:pPr>
+              <a:r>
+                <a:rPr lang="et-EE" sz="4000" dirty="0" smtClean="0">
+                  <a:latin typeface="Open Sans" panose="020B0606030504020204" pitchFamily="34" charset="0"/>
+                  <a:ea typeface="Open Sans" panose="020B0606030504020204" pitchFamily="34" charset="0"/>
+                  <a:cs typeface="Open Sans" panose="020B0606030504020204" pitchFamily="34" charset="0"/>
+                </a:rPr>
+                <a:t>The input data, consisting of patients’ genders, ages and diagnosis histories, was filtered to remove patients with no diagnosis records and patients above the ages of 100.</a:t>
+              </a:r>
+            </a:p>
+            <a:p>
+              <a:pPr algn="just">
+                <a:lnSpc>
+                  <a:spcPts val="4800"/>
+                </a:lnSpc>
+              </a:pPr>
+              <a:r>
+                <a:rPr lang="et-EE" sz="4000" dirty="0" smtClean="0">
+                  <a:latin typeface="Open Sans" panose="020B0606030504020204" pitchFamily="34" charset="0"/>
+                  <a:ea typeface="Open Sans" panose="020B0606030504020204" pitchFamily="34" charset="0"/>
+                  <a:cs typeface="Open Sans" panose="020B0606030504020204" pitchFamily="34" charset="0"/>
+                </a:rPr>
+                <a:t>The original diagnosis histories, given as Estonian RHK-10 codes, were binned by removing one level of specificity from the codes (e.g. G01.8 was mapped into G01).</a:t>
+              </a:r>
+              <a:endParaRPr lang="et-EE" sz="4000" dirty="0" smtClean="0">
+                <a:latin typeface="Open Sans" panose="020B0606030504020204" pitchFamily="34" charset="0"/>
+                <a:ea typeface="Open Sans" panose="020B0606030504020204" pitchFamily="34" charset="0"/>
+                <a:cs typeface="Open Sans" panose="020B0606030504020204" pitchFamily="34" charset="0"/>
+              </a:endParaRPr>
+            </a:p>
+            <a:p>
+              <a:pPr algn="just">
+                <a:lnSpc>
+                  <a:spcPts val="4800"/>
+                </a:lnSpc>
+              </a:pPr>
+              <a:r>
+                <a:rPr lang="et-EE" sz="4000" dirty="0" smtClean="0">
+                  <a:latin typeface="Open Sans" panose="020B0606030504020204" pitchFamily="34" charset="0"/>
+                  <a:ea typeface="Open Sans" panose="020B0606030504020204" pitchFamily="34" charset="0"/>
+                  <a:cs typeface="Open Sans" panose="020B0606030504020204" pitchFamily="34" charset="0"/>
+                </a:rPr>
+                <a:t>After preprocessing, a sample of 48 728 patients was left.</a:t>
+              </a:r>
+              <a:endParaRPr lang="et-EE" sz="4000" dirty="0">
+                <a:latin typeface="Open Sans" panose="020B0606030504020204" pitchFamily="34" charset="0"/>
+                <a:ea typeface="Open Sans" panose="020B0606030504020204" pitchFamily="34" charset="0"/>
+                <a:cs typeface="Open Sans" panose="020B0606030504020204" pitchFamily="34" charset="0"/>
+              </a:endParaRPr>
+            </a:p>
+            <a:p>
+              <a:pPr algn="just">
+                <a:lnSpc>
+                  <a:spcPts val="4800"/>
+                </a:lnSpc>
+              </a:pPr>
+              <a:endParaRPr lang="et-EE" sz="4000" dirty="0" smtClean="0">
+                <a:latin typeface="Open Sans" panose="020B0606030504020204" pitchFamily="34" charset="0"/>
+                <a:ea typeface="Open Sans" panose="020B0606030504020204" pitchFamily="34" charset="0"/>
+                <a:cs typeface="Open Sans" panose="020B0606030504020204" pitchFamily="34" charset="0"/>
+              </a:endParaRPr>
+            </a:p>
+            <a:p>
+              <a:pPr algn="just">
+                <a:lnSpc>
+                  <a:spcPts val="4800"/>
+                </a:lnSpc>
+              </a:pPr>
+              <a:endParaRPr lang="et-EE" sz="4000" dirty="0">
+                <a:latin typeface="Open Sans" panose="020B0606030504020204" pitchFamily="34" charset="0"/>
+                <a:ea typeface="Open Sans" panose="020B0606030504020204" pitchFamily="34" charset="0"/>
+                <a:cs typeface="Open Sans" panose="020B0606030504020204" pitchFamily="34" charset="0"/>
+              </a:endParaRPr>
+            </a:p>
+            <a:p>
+              <a:pPr algn="just">
+                <a:lnSpc>
+                  <a:spcPts val="4800"/>
+                </a:lnSpc>
+              </a:pPr>
+              <a:endParaRPr lang="et-EE" sz="4000" dirty="0" smtClean="0">
+                <a:latin typeface="Open Sans" panose="020B0606030504020204" pitchFamily="34" charset="0"/>
+                <a:ea typeface="Open Sans" panose="020B0606030504020204" pitchFamily="34" charset="0"/>
+                <a:cs typeface="Open Sans" panose="020B0606030504020204" pitchFamily="34" charset="0"/>
+              </a:endParaRPr>
+            </a:p>
+            <a:p>
+              <a:pPr algn="just">
+                <a:lnSpc>
+                  <a:spcPts val="4800"/>
+                </a:lnSpc>
+              </a:pPr>
+              <a:r>
+                <a:rPr lang="et-EE" sz="4000" dirty="0" smtClean="0">
+                  <a:latin typeface="Open Sans" panose="020B0606030504020204" pitchFamily="34" charset="0"/>
+                  <a:ea typeface="Open Sans" panose="020B0606030504020204" pitchFamily="34" charset="0"/>
+                  <a:cs typeface="Open Sans" panose="020B0606030504020204" pitchFamily="34" charset="0"/>
+                </a:rPr>
+                <a:t>ipsum</a:t>
+              </a:r>
+              <a:endParaRPr lang="et-EE" sz="4000" dirty="0">
+                <a:latin typeface="Open Sans" panose="020B0606030504020204" pitchFamily="34" charset="0"/>
+                <a:ea typeface="Open Sans" panose="020B0606030504020204" pitchFamily="34" charset="0"/>
+                <a:cs typeface="Open Sans" panose="020B0606030504020204" pitchFamily="34" charset="0"/>
+              </a:endParaRPr>
+            </a:p>
+          </p:txBody>
+        </p:sp>
+      </p:grpSp>
     </p:spTree>
     <p:extLst>
       <p:ext uri="{BB962C8B-B14F-4D97-AF65-F5344CB8AC3E}">

--- a/doc/poster.pptx
+++ b/doc/poster.pptx
@@ -4,6 +4,9 @@
   <p:sldMasterIdLst>
     <p:sldMasterId id="2147483660" r:id="rId1"/>
   </p:sldMasterIdLst>
+  <p:notesMasterIdLst>
+    <p:notesMasterId r:id="rId3"/>
+  </p:notesMasterIdLst>
   <p:sldIdLst>
     <p:sldId id="256" r:id="rId2"/>
   </p:sldIdLst>
@@ -107,6 +110,743 @@
 </p:presentation>
 </file>
 
+<file path=ppt/charts/chart1.xml><?xml version="1.0" encoding="utf-8"?>
+<c:chartSpace xmlns:c="http://schemas.openxmlformats.org/drawingml/2006/chart" xmlns:a="http://schemas.openxmlformats.org/drawingml/2006/main" xmlns:r="http://schemas.openxmlformats.org/officeDocument/2006/relationships">
+  <c:date1904 val="0"/>
+  <c:lang val="et-EE"/>
+  <c:roundedCorners val="0"/>
+  <mc:AlternateContent xmlns:mc="http://schemas.openxmlformats.org/markup-compatibility/2006">
+    <mc:Choice xmlns:c14="http://schemas.microsoft.com/office/drawing/2007/8/2/chart" Requires="c14">
+      <c14:style val="102"/>
+    </mc:Choice>
+    <mc:Fallback>
+      <c:style val="2"/>
+    </mc:Fallback>
+  </mc:AlternateContent>
+  <c:chart>
+    <c:autoTitleDeleted val="0"/>
+    <c:plotArea>
+      <c:layout/>
+      <c:barChart>
+        <c:barDir val="col"/>
+        <c:grouping val="clustered"/>
+        <c:varyColors val="0"/>
+        <c:ser>
+          <c:idx val="0"/>
+          <c:order val="0"/>
+          <c:spPr>
+            <a:solidFill>
+              <a:schemeClr val="accent5">
+                <a:lumMod val="20000"/>
+                <a:lumOff val="80000"/>
+              </a:schemeClr>
+            </a:solidFill>
+            <a:ln>
+              <a:solidFill>
+                <a:schemeClr val="tx1"/>
+              </a:solidFill>
+            </a:ln>
+          </c:spPr>
+          <c:invertIfNegative val="0"/>
+          <c:cat>
+            <c:strRef>
+              <c:f>'diagnosis counts'!$I$4:$I$34</c:f>
+              <c:strCache>
+                <c:ptCount val="31"/>
+                <c:pt idx="0">
+                  <c:v>1</c:v>
+                </c:pt>
+                <c:pt idx="14">
+                  <c:v>15</c:v>
+                </c:pt>
+                <c:pt idx="30">
+                  <c:v>&gt;30</c:v>
+                </c:pt>
+              </c:strCache>
+            </c:strRef>
+          </c:cat>
+          <c:val>
+            <c:numRef>
+              <c:f>'diagnosis counts'!$J$4:$J$34</c:f>
+              <c:numCache>
+                <c:formatCode>General</c:formatCode>
+                <c:ptCount val="31"/>
+                <c:pt idx="0">
+                  <c:v>7765</c:v>
+                </c:pt>
+                <c:pt idx="1">
+                  <c:v>4693</c:v>
+                </c:pt>
+                <c:pt idx="2">
+                  <c:v>3826</c:v>
+                </c:pt>
+                <c:pt idx="3">
+                  <c:v>3466</c:v>
+                </c:pt>
+                <c:pt idx="4">
+                  <c:v>3165</c:v>
+                </c:pt>
+                <c:pt idx="5">
+                  <c:v>3002</c:v>
+                </c:pt>
+                <c:pt idx="6">
+                  <c:v>2796</c:v>
+                </c:pt>
+                <c:pt idx="7">
+                  <c:v>2527</c:v>
+                </c:pt>
+                <c:pt idx="8">
+                  <c:v>2355</c:v>
+                </c:pt>
+                <c:pt idx="9">
+                  <c:v>2063</c:v>
+                </c:pt>
+                <c:pt idx="10">
+                  <c:v>1834</c:v>
+                </c:pt>
+                <c:pt idx="11">
+                  <c:v>1593</c:v>
+                </c:pt>
+                <c:pt idx="12">
+                  <c:v>1430</c:v>
+                </c:pt>
+                <c:pt idx="13">
+                  <c:v>1191</c:v>
+                </c:pt>
+                <c:pt idx="14">
+                  <c:v>1133</c:v>
+                </c:pt>
+                <c:pt idx="15">
+                  <c:v>914</c:v>
+                </c:pt>
+                <c:pt idx="16">
+                  <c:v>762</c:v>
+                </c:pt>
+                <c:pt idx="17">
+                  <c:v>614</c:v>
+                </c:pt>
+                <c:pt idx="18">
+                  <c:v>549</c:v>
+                </c:pt>
+                <c:pt idx="19">
+                  <c:v>471</c:v>
+                </c:pt>
+                <c:pt idx="20">
+                  <c:v>398</c:v>
+                </c:pt>
+                <c:pt idx="21">
+                  <c:v>322</c:v>
+                </c:pt>
+                <c:pt idx="22">
+                  <c:v>266</c:v>
+                </c:pt>
+                <c:pt idx="23">
+                  <c:v>221</c:v>
+                </c:pt>
+                <c:pt idx="24">
+                  <c:v>184</c:v>
+                </c:pt>
+                <c:pt idx="25">
+                  <c:v>146</c:v>
+                </c:pt>
+                <c:pt idx="26">
+                  <c:v>122</c:v>
+                </c:pt>
+                <c:pt idx="27">
+                  <c:v>117</c:v>
+                </c:pt>
+                <c:pt idx="28">
+                  <c:v>83</c:v>
+                </c:pt>
+                <c:pt idx="29">
+                  <c:v>60</c:v>
+                </c:pt>
+                <c:pt idx="30">
+                  <c:v>333</c:v>
+                </c:pt>
+              </c:numCache>
+            </c:numRef>
+          </c:val>
+        </c:ser>
+        <c:dLbls>
+          <c:showLegendKey val="0"/>
+          <c:showVal val="0"/>
+          <c:showCatName val="0"/>
+          <c:showSerName val="0"/>
+          <c:showPercent val="0"/>
+          <c:showBubbleSize val="0"/>
+        </c:dLbls>
+        <c:gapWidth val="14"/>
+        <c:axId val="79131392"/>
+        <c:axId val="79134080"/>
+      </c:barChart>
+      <c:catAx>
+        <c:axId val="79131392"/>
+        <c:scaling>
+          <c:orientation val="minMax"/>
+        </c:scaling>
+        <c:delete val="0"/>
+        <c:axPos val="b"/>
+        <c:title>
+          <c:tx>
+            <c:rich>
+              <a:bodyPr/>
+              <a:lstStyle/>
+              <a:p>
+                <a:pPr>
+                  <a:defRPr/>
+                </a:pPr>
+                <a:r>
+                  <a:rPr lang="et-EE" b="0">
+                    <a:latin typeface="Open Sans Semibold" panose="020B0706030804020204" pitchFamily="34" charset="0"/>
+                    <a:ea typeface="Open Sans Semibold" panose="020B0706030804020204" pitchFamily="34" charset="0"/>
+                    <a:cs typeface="Open Sans Semibold" panose="020B0706030804020204" pitchFamily="34" charset="0"/>
+                  </a:rPr>
+                  <a:t>Number of diagnoses</a:t>
+                </a:r>
+              </a:p>
+            </c:rich>
+          </c:tx>
+          <c:layout/>
+          <c:overlay val="0"/>
+        </c:title>
+        <c:majorTickMark val="out"/>
+        <c:minorTickMark val="none"/>
+        <c:tickLblPos val="nextTo"/>
+        <c:crossAx val="79134080"/>
+        <c:crosses val="autoZero"/>
+        <c:auto val="1"/>
+        <c:lblAlgn val="ctr"/>
+        <c:lblOffset val="100"/>
+        <c:tickMarkSkip val="1"/>
+        <c:noMultiLvlLbl val="0"/>
+      </c:catAx>
+      <c:valAx>
+        <c:axId val="79134080"/>
+        <c:scaling>
+          <c:orientation val="minMax"/>
+          <c:max val="8000"/>
+          <c:min val="0"/>
+        </c:scaling>
+        <c:delete val="0"/>
+        <c:axPos val="l"/>
+        <c:majorGridlines>
+          <c:spPr>
+            <a:ln>
+              <a:solidFill>
+                <a:schemeClr val="bg1">
+                  <a:lumMod val="85000"/>
+                </a:schemeClr>
+              </a:solidFill>
+            </a:ln>
+          </c:spPr>
+        </c:majorGridlines>
+        <c:title>
+          <c:tx>
+            <c:rich>
+              <a:bodyPr rot="-5400000" vert="horz"/>
+              <a:lstStyle/>
+              <a:p>
+                <a:pPr>
+                  <a:defRPr/>
+                </a:pPr>
+                <a:r>
+                  <a:rPr lang="et-EE" b="0">
+                    <a:latin typeface="Open Sans Semibold" panose="020B0706030804020204" pitchFamily="34" charset="0"/>
+                    <a:ea typeface="Open Sans Semibold" panose="020B0706030804020204" pitchFamily="34" charset="0"/>
+                    <a:cs typeface="Open Sans Semibold" panose="020B0706030804020204" pitchFamily="34" charset="0"/>
+                  </a:rPr>
+                  <a:t>Number of patients</a:t>
+                </a:r>
+              </a:p>
+            </c:rich>
+          </c:tx>
+          <c:layout>
+            <c:manualLayout>
+              <c:xMode val="edge"/>
+              <c:yMode val="edge"/>
+              <c:x val="3.5307869022196338E-3"/>
+              <c:y val="9.1246863799283165E-2"/>
+            </c:manualLayout>
+          </c:layout>
+          <c:overlay val="0"/>
+        </c:title>
+        <c:numFmt formatCode="General" sourceLinked="1"/>
+        <c:majorTickMark val="out"/>
+        <c:minorTickMark val="none"/>
+        <c:tickLblPos val="nextTo"/>
+        <c:crossAx val="79131392"/>
+        <c:crossesAt val="1"/>
+        <c:crossBetween val="between"/>
+        <c:majorUnit val="4000"/>
+      </c:valAx>
+    </c:plotArea>
+    <c:plotVisOnly val="1"/>
+    <c:dispBlanksAs val="gap"/>
+    <c:showDLblsOverMax val="0"/>
+  </c:chart>
+  <c:spPr>
+    <a:solidFill>
+      <a:schemeClr val="bg1"/>
+    </a:solidFill>
+    <a:ln>
+      <a:noFill/>
+    </a:ln>
+  </c:spPr>
+  <c:txPr>
+    <a:bodyPr/>
+    <a:lstStyle/>
+    <a:p>
+      <a:pPr>
+        <a:defRPr sz="2800">
+          <a:latin typeface="Open Sans" panose="020B0606030504020204" pitchFamily="34" charset="0"/>
+          <a:ea typeface="Open Sans" panose="020B0606030504020204" pitchFamily="34" charset="0"/>
+          <a:cs typeface="Open Sans" panose="020B0606030504020204" pitchFamily="34" charset="0"/>
+        </a:defRPr>
+      </a:pPr>
+      <a:endParaRPr lang="et-EE"/>
+    </a:p>
+  </c:txPr>
+  <c:externalData r:id="rId1">
+    <c:autoUpdate val="0"/>
+  </c:externalData>
+</c:chartSpace>
+</file>
+
+<file path=ppt/notesMasters/notesMaster1.xml><?xml version="1.0" encoding="utf-8"?>
+<p:notesMaster xmlns:a="http://schemas.openxmlformats.org/drawingml/2006/main" xmlns:r="http://schemas.openxmlformats.org/officeDocument/2006/relationships" xmlns:p="http://schemas.openxmlformats.org/presentationml/2006/main">
+  <p:cSld>
+    <p:bg>
+      <p:bgRef idx="1001">
+        <a:schemeClr val="bg1"/>
+      </p:bgRef>
+    </p:bg>
+    <p:spTree>
+      <p:nvGrpSpPr>
+        <p:cNvPr id="1" name=""/>
+        <p:cNvGrpSpPr/>
+        <p:nvPr/>
+      </p:nvGrpSpPr>
+      <p:grpSpPr>
+        <a:xfrm>
+          <a:off x="0" y="0"/>
+          <a:ext cx="0" cy="0"/>
+          <a:chOff x="0" y="0"/>
+          <a:chExt cx="0" cy="0"/>
+        </a:xfrm>
+      </p:grpSpPr>
+      <p:sp>
+        <p:nvSpPr>
+          <p:cNvPr id="2" name="Header Placeholder 1"/>
+          <p:cNvSpPr>
+            <a:spLocks noGrp="1"/>
+          </p:cNvSpPr>
+          <p:nvPr>
+            <p:ph type="hdr" sz="quarter"/>
+          </p:nvPr>
+        </p:nvSpPr>
+        <p:spPr>
+          <a:xfrm>
+            <a:off x="0" y="0"/>
+            <a:ext cx="2971800" cy="457200"/>
+          </a:xfrm>
+          <a:prstGeom prst="rect">
+            <a:avLst/>
+          </a:prstGeom>
+        </p:spPr>
+        <p:txBody>
+          <a:bodyPr vert="horz" lIns="91440" tIns="45720" rIns="91440" bIns="45720" rtlCol="0"/>
+          <a:lstStyle>
+            <a:lvl1pPr algn="l">
+              <a:defRPr sz="1200"/>
+            </a:lvl1pPr>
+          </a:lstStyle>
+          <a:p>
+            <a:endParaRPr lang="et-EE"/>
+          </a:p>
+        </p:txBody>
+      </p:sp>
+      <p:sp>
+        <p:nvSpPr>
+          <p:cNvPr id="3" name="Date Placeholder 2"/>
+          <p:cNvSpPr>
+            <a:spLocks noGrp="1"/>
+          </p:cNvSpPr>
+          <p:nvPr>
+            <p:ph type="dt" idx="1"/>
+          </p:nvPr>
+        </p:nvSpPr>
+        <p:spPr>
+          <a:xfrm>
+            <a:off x="3884613" y="0"/>
+            <a:ext cx="2971800" cy="457200"/>
+          </a:xfrm>
+          <a:prstGeom prst="rect">
+            <a:avLst/>
+          </a:prstGeom>
+        </p:spPr>
+        <p:txBody>
+          <a:bodyPr vert="horz" lIns="91440" tIns="45720" rIns="91440" bIns="45720" rtlCol="0"/>
+          <a:lstStyle>
+            <a:lvl1pPr algn="r">
+              <a:defRPr sz="1200"/>
+            </a:lvl1pPr>
+          </a:lstStyle>
+          <a:p>
+            <a:fld id="{73EBA5A1-7B0C-4FD8-98F8-CA6F618A5A57}" type="datetimeFigureOut">
+              <a:rPr lang="et-EE" smtClean="0"/>
+              <a:t>28.05.2014</a:t>
+            </a:fld>
+            <a:endParaRPr lang="et-EE"/>
+          </a:p>
+        </p:txBody>
+      </p:sp>
+      <p:sp>
+        <p:nvSpPr>
+          <p:cNvPr id="4" name="Slide Image Placeholder 3"/>
+          <p:cNvSpPr>
+            <a:spLocks noGrp="1" noRot="1" noChangeAspect="1"/>
+          </p:cNvSpPr>
+          <p:nvPr>
+            <p:ph type="sldImg" idx="2"/>
+          </p:nvPr>
+        </p:nvSpPr>
+        <p:spPr>
+          <a:xfrm>
+            <a:off x="1006475" y="685800"/>
+            <a:ext cx="4845050" cy="3429000"/>
+          </a:xfrm>
+          <a:prstGeom prst="rect">
+            <a:avLst/>
+          </a:prstGeom>
+          <a:noFill/>
+          <a:ln w="12700">
+            <a:solidFill>
+              <a:prstClr val="black"/>
+            </a:solidFill>
+          </a:ln>
+        </p:spPr>
+        <p:txBody>
+          <a:bodyPr vert="horz" lIns="91440" tIns="45720" rIns="91440" bIns="45720" rtlCol="0" anchor="ctr"/>
+          <a:lstStyle/>
+          <a:p>
+            <a:endParaRPr lang="et-EE"/>
+          </a:p>
+        </p:txBody>
+      </p:sp>
+      <p:sp>
+        <p:nvSpPr>
+          <p:cNvPr id="5" name="Notes Placeholder 4"/>
+          <p:cNvSpPr>
+            <a:spLocks noGrp="1"/>
+          </p:cNvSpPr>
+          <p:nvPr>
+            <p:ph type="body" sz="quarter" idx="3"/>
+          </p:nvPr>
+        </p:nvSpPr>
+        <p:spPr>
+          <a:xfrm>
+            <a:off x="685800" y="4343400"/>
+            <a:ext cx="5486400" cy="4114800"/>
+          </a:xfrm>
+          <a:prstGeom prst="rect">
+            <a:avLst/>
+          </a:prstGeom>
+        </p:spPr>
+        <p:txBody>
+          <a:bodyPr vert="horz" lIns="91440" tIns="45720" rIns="91440" bIns="45720" rtlCol="0"/>
+          <a:lstStyle/>
+          <a:p>
+            <a:pPr lvl="0"/>
+            <a:r>
+              <a:rPr lang="en-US" smtClean="0"/>
+              <a:t>Click to edit Master text styles</a:t>
+            </a:r>
+          </a:p>
+          <a:p>
+            <a:pPr lvl="1"/>
+            <a:r>
+              <a:rPr lang="en-US" smtClean="0"/>
+              <a:t>Second level</a:t>
+            </a:r>
+          </a:p>
+          <a:p>
+            <a:pPr lvl="2"/>
+            <a:r>
+              <a:rPr lang="en-US" smtClean="0"/>
+              <a:t>Third level</a:t>
+            </a:r>
+          </a:p>
+          <a:p>
+            <a:pPr lvl="3"/>
+            <a:r>
+              <a:rPr lang="en-US" smtClean="0"/>
+              <a:t>Fourth level</a:t>
+            </a:r>
+          </a:p>
+          <a:p>
+            <a:pPr lvl="4"/>
+            <a:r>
+              <a:rPr lang="en-US" smtClean="0"/>
+              <a:t>Fifth level</a:t>
+            </a:r>
+            <a:endParaRPr lang="et-EE"/>
+          </a:p>
+        </p:txBody>
+      </p:sp>
+      <p:sp>
+        <p:nvSpPr>
+          <p:cNvPr id="6" name="Footer Placeholder 5"/>
+          <p:cNvSpPr>
+            <a:spLocks noGrp="1"/>
+          </p:cNvSpPr>
+          <p:nvPr>
+            <p:ph type="ftr" sz="quarter" idx="4"/>
+          </p:nvPr>
+        </p:nvSpPr>
+        <p:spPr>
+          <a:xfrm>
+            <a:off x="0" y="8685213"/>
+            <a:ext cx="2971800" cy="457200"/>
+          </a:xfrm>
+          <a:prstGeom prst="rect">
+            <a:avLst/>
+          </a:prstGeom>
+        </p:spPr>
+        <p:txBody>
+          <a:bodyPr vert="horz" lIns="91440" tIns="45720" rIns="91440" bIns="45720" rtlCol="0" anchor="b"/>
+          <a:lstStyle>
+            <a:lvl1pPr algn="l">
+              <a:defRPr sz="1200"/>
+            </a:lvl1pPr>
+          </a:lstStyle>
+          <a:p>
+            <a:endParaRPr lang="et-EE"/>
+          </a:p>
+        </p:txBody>
+      </p:sp>
+      <p:sp>
+        <p:nvSpPr>
+          <p:cNvPr id="7" name="Slide Number Placeholder 6"/>
+          <p:cNvSpPr>
+            <a:spLocks noGrp="1"/>
+          </p:cNvSpPr>
+          <p:nvPr>
+            <p:ph type="sldNum" sz="quarter" idx="5"/>
+          </p:nvPr>
+        </p:nvSpPr>
+        <p:spPr>
+          <a:xfrm>
+            <a:off x="3884613" y="8685213"/>
+            <a:ext cx="2971800" cy="457200"/>
+          </a:xfrm>
+          <a:prstGeom prst="rect">
+            <a:avLst/>
+          </a:prstGeom>
+        </p:spPr>
+        <p:txBody>
+          <a:bodyPr vert="horz" lIns="91440" tIns="45720" rIns="91440" bIns="45720" rtlCol="0" anchor="b"/>
+          <a:lstStyle>
+            <a:lvl1pPr algn="r">
+              <a:defRPr sz="1200"/>
+            </a:lvl1pPr>
+          </a:lstStyle>
+          <a:p>
+            <a:fld id="{1D91C09D-1AEB-4A41-BB16-572B42B99C79}" type="slidenum">
+              <a:rPr lang="et-EE" smtClean="0"/>
+              <a:t>‹#›</a:t>
+            </a:fld>
+            <a:endParaRPr lang="et-EE"/>
+          </a:p>
+        </p:txBody>
+      </p:sp>
+    </p:spTree>
+    <p:extLst>
+      <p:ext uri="{BB962C8B-B14F-4D97-AF65-F5344CB8AC3E}">
+        <p14:creationId xmlns:p14="http://schemas.microsoft.com/office/powerpoint/2010/main" val="3263361733"/>
+      </p:ext>
+    </p:extLst>
+  </p:cSld>
+  <p:clrMap bg1="lt1" tx1="dk1" bg2="lt2" tx2="dk2" accent1="accent1" accent2="accent2" accent3="accent3" accent4="accent4" accent5="accent5" accent6="accent6" hlink="hlink" folHlink="folHlink"/>
+  <p:notesStyle>
+    <a:lvl1pPr marL="0" algn="l" defTabSz="914400" rtl="0" eaLnBrk="1" latinLnBrk="0" hangingPunct="1">
+      <a:defRPr sz="1200" kern="1200">
+        <a:solidFill>
+          <a:schemeClr val="tx1"/>
+        </a:solidFill>
+        <a:latin typeface="+mn-lt"/>
+        <a:ea typeface="+mn-ea"/>
+        <a:cs typeface="+mn-cs"/>
+      </a:defRPr>
+    </a:lvl1pPr>
+    <a:lvl2pPr marL="457200" algn="l" defTabSz="914400" rtl="0" eaLnBrk="1" latinLnBrk="0" hangingPunct="1">
+      <a:defRPr sz="1200" kern="1200">
+        <a:solidFill>
+          <a:schemeClr val="tx1"/>
+        </a:solidFill>
+        <a:latin typeface="+mn-lt"/>
+        <a:ea typeface="+mn-ea"/>
+        <a:cs typeface="+mn-cs"/>
+      </a:defRPr>
+    </a:lvl2pPr>
+    <a:lvl3pPr marL="914400" algn="l" defTabSz="914400" rtl="0" eaLnBrk="1" latinLnBrk="0" hangingPunct="1">
+      <a:defRPr sz="1200" kern="1200">
+        <a:solidFill>
+          <a:schemeClr val="tx1"/>
+        </a:solidFill>
+        <a:latin typeface="+mn-lt"/>
+        <a:ea typeface="+mn-ea"/>
+        <a:cs typeface="+mn-cs"/>
+      </a:defRPr>
+    </a:lvl3pPr>
+    <a:lvl4pPr marL="1371600" algn="l" defTabSz="914400" rtl="0" eaLnBrk="1" latinLnBrk="0" hangingPunct="1">
+      <a:defRPr sz="1200" kern="1200">
+        <a:solidFill>
+          <a:schemeClr val="tx1"/>
+        </a:solidFill>
+        <a:latin typeface="+mn-lt"/>
+        <a:ea typeface="+mn-ea"/>
+        <a:cs typeface="+mn-cs"/>
+      </a:defRPr>
+    </a:lvl4pPr>
+    <a:lvl5pPr marL="1828800" algn="l" defTabSz="914400" rtl="0" eaLnBrk="1" latinLnBrk="0" hangingPunct="1">
+      <a:defRPr sz="1200" kern="1200">
+        <a:solidFill>
+          <a:schemeClr val="tx1"/>
+        </a:solidFill>
+        <a:latin typeface="+mn-lt"/>
+        <a:ea typeface="+mn-ea"/>
+        <a:cs typeface="+mn-cs"/>
+      </a:defRPr>
+    </a:lvl5pPr>
+    <a:lvl6pPr marL="2286000" algn="l" defTabSz="914400" rtl="0" eaLnBrk="1" latinLnBrk="0" hangingPunct="1">
+      <a:defRPr sz="1200" kern="1200">
+        <a:solidFill>
+          <a:schemeClr val="tx1"/>
+        </a:solidFill>
+        <a:latin typeface="+mn-lt"/>
+        <a:ea typeface="+mn-ea"/>
+        <a:cs typeface="+mn-cs"/>
+      </a:defRPr>
+    </a:lvl6pPr>
+    <a:lvl7pPr marL="2743200" algn="l" defTabSz="914400" rtl="0" eaLnBrk="1" latinLnBrk="0" hangingPunct="1">
+      <a:defRPr sz="1200" kern="1200">
+        <a:solidFill>
+          <a:schemeClr val="tx1"/>
+        </a:solidFill>
+        <a:latin typeface="+mn-lt"/>
+        <a:ea typeface="+mn-ea"/>
+        <a:cs typeface="+mn-cs"/>
+      </a:defRPr>
+    </a:lvl7pPr>
+    <a:lvl8pPr marL="3200400" algn="l" defTabSz="914400" rtl="0" eaLnBrk="1" latinLnBrk="0" hangingPunct="1">
+      <a:defRPr sz="1200" kern="1200">
+        <a:solidFill>
+          <a:schemeClr val="tx1"/>
+        </a:solidFill>
+        <a:latin typeface="+mn-lt"/>
+        <a:ea typeface="+mn-ea"/>
+        <a:cs typeface="+mn-cs"/>
+      </a:defRPr>
+    </a:lvl8pPr>
+    <a:lvl9pPr marL="3657600" algn="l" defTabSz="914400" rtl="0" eaLnBrk="1" latinLnBrk="0" hangingPunct="1">
+      <a:defRPr sz="1200" kern="1200">
+        <a:solidFill>
+          <a:schemeClr val="tx1"/>
+        </a:solidFill>
+        <a:latin typeface="+mn-lt"/>
+        <a:ea typeface="+mn-ea"/>
+        <a:cs typeface="+mn-cs"/>
+      </a:defRPr>
+    </a:lvl9pPr>
+  </p:notesStyle>
+</p:notesMaster>
+</file>
+
+<file path=ppt/notesSlides/notesSlide1.xml><?xml version="1.0" encoding="utf-8"?>
+<p:notes xmlns:a="http://schemas.openxmlformats.org/drawingml/2006/main" xmlns:r="http://schemas.openxmlformats.org/officeDocument/2006/relationships" xmlns:p="http://schemas.openxmlformats.org/presentationml/2006/main">
+  <p:cSld>
+    <p:spTree>
+      <p:nvGrpSpPr>
+        <p:cNvPr id="1" name=""/>
+        <p:cNvGrpSpPr/>
+        <p:nvPr/>
+      </p:nvGrpSpPr>
+      <p:grpSpPr>
+        <a:xfrm>
+          <a:off x="0" y="0"/>
+          <a:ext cx="0" cy="0"/>
+          <a:chOff x="0" y="0"/>
+          <a:chExt cx="0" cy="0"/>
+        </a:xfrm>
+      </p:grpSpPr>
+      <p:sp>
+        <p:nvSpPr>
+          <p:cNvPr id="2" name="Slide Image Placeholder 1"/>
+          <p:cNvSpPr>
+            <a:spLocks noGrp="1" noRot="1" noChangeAspect="1"/>
+          </p:cNvSpPr>
+          <p:nvPr>
+            <p:ph type="sldImg"/>
+          </p:nvPr>
+        </p:nvSpPr>
+        <p:spPr/>
+      </p:sp>
+      <p:sp>
+        <p:nvSpPr>
+          <p:cNvPr id="3" name="Notes Placeholder 2"/>
+          <p:cNvSpPr>
+            <a:spLocks noGrp="1"/>
+          </p:cNvSpPr>
+          <p:nvPr>
+            <p:ph type="body" idx="1"/>
+          </p:nvPr>
+        </p:nvSpPr>
+        <p:spPr/>
+        <p:txBody>
+          <a:bodyPr/>
+          <a:lstStyle/>
+          <a:p>
+            <a:endParaRPr lang="et-EE" dirty="0"/>
+          </a:p>
+        </p:txBody>
+      </p:sp>
+      <p:sp>
+        <p:nvSpPr>
+          <p:cNvPr id="4" name="Slide Number Placeholder 3"/>
+          <p:cNvSpPr>
+            <a:spLocks noGrp="1"/>
+          </p:cNvSpPr>
+          <p:nvPr>
+            <p:ph type="sldNum" sz="quarter" idx="10"/>
+          </p:nvPr>
+        </p:nvSpPr>
+        <p:spPr/>
+        <p:txBody>
+          <a:bodyPr/>
+          <a:lstStyle/>
+          <a:p>
+            <a:fld id="{1D91C09D-1AEB-4A41-BB16-572B42B99C79}" type="slidenum">
+              <a:rPr lang="et-EE" smtClean="0"/>
+              <a:t>1</a:t>
+            </a:fld>
+            <a:endParaRPr lang="et-EE"/>
+          </a:p>
+        </p:txBody>
+      </p:sp>
+    </p:spTree>
+    <p:extLst>
+      <p:ext uri="{BB962C8B-B14F-4D97-AF65-F5344CB8AC3E}">
+        <p14:creationId xmlns:p14="http://schemas.microsoft.com/office/powerpoint/2010/main" val="3348408190"/>
+      </p:ext>
+    </p:extLst>
+  </p:cSld>
+  <p:clrMapOvr>
+    <a:masterClrMapping/>
+  </p:clrMapOvr>
+</p:notes>
+</file>
+
 <file path=ppt/slideLayouts/slideLayout1.xml><?xml version="1.0" encoding="utf-8"?>
 <p:sldLayout xmlns:a="http://schemas.openxmlformats.org/drawingml/2006/main" xmlns:r="http://schemas.openxmlformats.org/officeDocument/2006/relationships" xmlns:p="http://schemas.openxmlformats.org/presentationml/2006/main" type="title" preserve="1">
   <p:cSld name="Title Slide">
@@ -289,7 +1029,7 @@
             <a:fld id="{1D8BD707-D9CF-40AE-B4C6-C98DA3205C09}" type="datetimeFigureOut">
               <a:rPr lang="en-US" smtClean="0"/>
               <a:pPr/>
-              <a:t>5/26/2014</a:t>
+              <a:t>5/28/2014</a:t>
             </a:fld>
             <a:endParaRPr lang="en-US"/>
           </a:p>
@@ -463,7 +1203,7 @@
             <a:fld id="{1D8BD707-D9CF-40AE-B4C6-C98DA3205C09}" type="datetimeFigureOut">
               <a:rPr lang="en-US" smtClean="0"/>
               <a:pPr/>
-              <a:t>5/26/2014</a:t>
+              <a:t>5/28/2014</a:t>
             </a:fld>
             <a:endParaRPr lang="en-US"/>
           </a:p>
@@ -640,7 +1380,7 @@
             <a:fld id="{1D8BD707-D9CF-40AE-B4C6-C98DA3205C09}" type="datetimeFigureOut">
               <a:rPr lang="en-US" smtClean="0"/>
               <a:pPr/>
-              <a:t>5/26/2014</a:t>
+              <a:t>5/28/2014</a:t>
             </a:fld>
             <a:endParaRPr lang="en-US"/>
           </a:p>
@@ -810,7 +1550,7 @@
             <a:fld id="{1D8BD707-D9CF-40AE-B4C6-C98DA3205C09}" type="datetimeFigureOut">
               <a:rPr lang="en-US" smtClean="0"/>
               <a:pPr/>
-              <a:t>5/26/2014</a:t>
+              <a:t>5/28/2014</a:t>
             </a:fld>
             <a:endParaRPr lang="en-US"/>
           </a:p>
@@ -1053,7 +1793,7 @@
             <a:fld id="{1D8BD707-D9CF-40AE-B4C6-C98DA3205C09}" type="datetimeFigureOut">
               <a:rPr lang="en-US" smtClean="0"/>
               <a:pPr/>
-              <a:t>5/26/2014</a:t>
+              <a:t>5/28/2014</a:t>
             </a:fld>
             <a:endParaRPr lang="en-US"/>
           </a:p>
@@ -1338,7 +2078,7 @@
             <a:fld id="{1D8BD707-D9CF-40AE-B4C6-C98DA3205C09}" type="datetimeFigureOut">
               <a:rPr lang="en-US" smtClean="0"/>
               <a:pPr/>
-              <a:t>5/26/2014</a:t>
+              <a:t>5/28/2014</a:t>
             </a:fld>
             <a:endParaRPr lang="en-US"/>
           </a:p>
@@ -1757,7 +2497,7 @@
             <a:fld id="{1D8BD707-D9CF-40AE-B4C6-C98DA3205C09}" type="datetimeFigureOut">
               <a:rPr lang="en-US" smtClean="0"/>
               <a:pPr/>
-              <a:t>5/26/2014</a:t>
+              <a:t>5/28/2014</a:t>
             </a:fld>
             <a:endParaRPr lang="en-US"/>
           </a:p>
@@ -1872,7 +2612,7 @@
             <a:fld id="{1D8BD707-D9CF-40AE-B4C6-C98DA3205C09}" type="datetimeFigureOut">
               <a:rPr lang="en-US" smtClean="0"/>
               <a:pPr/>
-              <a:t>5/26/2014</a:t>
+              <a:t>5/28/2014</a:t>
             </a:fld>
             <a:endParaRPr lang="en-US"/>
           </a:p>
@@ -1964,7 +2704,7 @@
             <a:fld id="{1D8BD707-D9CF-40AE-B4C6-C98DA3205C09}" type="datetimeFigureOut">
               <a:rPr lang="en-US" smtClean="0"/>
               <a:pPr/>
-              <a:t>5/26/2014</a:t>
+              <a:t>5/28/2014</a:t>
             </a:fld>
             <a:endParaRPr lang="en-US"/>
           </a:p>
@@ -2238,7 +2978,7 @@
             <a:fld id="{1D8BD707-D9CF-40AE-B4C6-C98DA3205C09}" type="datetimeFigureOut">
               <a:rPr lang="en-US" smtClean="0"/>
               <a:pPr/>
-              <a:t>5/26/2014</a:t>
+              <a:t>5/28/2014</a:t>
             </a:fld>
             <a:endParaRPr lang="en-US"/>
           </a:p>
@@ -2492,7 +3232,7 @@
             <a:fld id="{1D8BD707-D9CF-40AE-B4C6-C98DA3205C09}" type="datetimeFigureOut">
               <a:rPr lang="en-US" smtClean="0"/>
               <a:pPr/>
-              <a:t>5/26/2014</a:t>
+              <a:t>5/28/2014</a:t>
             </a:fld>
             <a:endParaRPr lang="en-US"/>
           </a:p>
@@ -2704,7 +3444,7 @@
             <a:fld id="{1D8BD707-D9CF-40AE-B4C6-C98DA3205C09}" type="datetimeFigureOut">
               <a:rPr lang="en-US" smtClean="0"/>
               <a:pPr/>
-              <a:t>5/26/2014</a:t>
+              <a:t>5/28/2014</a:t>
             </a:fld>
             <a:endParaRPr lang="en-US"/>
           </a:p>
@@ -3141,7 +3881,7 @@
           <p:nvPr/>
         </p:nvPicPr>
         <p:blipFill>
-          <a:blip r:embed="rId2">
+          <a:blip r:embed="rId3">
             <a:extLst>
               <a:ext uri="{28A0092B-C50C-407E-A947-70E740481C1C}">
                 <a14:useLocalDpi xmlns:a14="http://schemas.microsoft.com/office/drawing/2010/main" val="0"/>
@@ -3280,7 +4020,7 @@
         </p:nvSpPr>
         <p:spPr>
           <a:xfrm>
-            <a:off x="15936227" y="5068311"/>
+            <a:off x="15936226" y="5081587"/>
             <a:ext cx="10936071" cy="861774"/>
           </a:xfrm>
           <a:prstGeom prst="rect">
@@ -3320,7 +4060,7 @@
           <p:nvPr/>
         </p:nvPicPr>
         <p:blipFill>
-          <a:blip r:embed="rId3" cstate="print">
+          <a:blip r:embed="rId4" cstate="print">
             <a:extLst>
               <a:ext uri="{28A0092B-C50C-407E-A947-70E740481C1C}">
                 <a14:useLocalDpi xmlns:a14="http://schemas.microsoft.com/office/drawing/2010/main" val="0"/>
@@ -3391,30 +4131,54 @@
           </a:p>
         </p:txBody>
       </p:sp>
+      <p:graphicFrame>
+        <p:nvGraphicFramePr>
+          <p:cNvPr id="19" name="Chart 18"/>
+          <p:cNvGraphicFramePr>
+            <a:graphicFrameLocks/>
+          </p:cNvGraphicFramePr>
+          <p:nvPr>
+            <p:extLst>
+              <p:ext uri="{D42A27DB-BD31-4B8C-83A1-F6EECF244321}">
+                <p14:modId xmlns:p14="http://schemas.microsoft.com/office/powerpoint/2010/main" val="3217233103"/>
+              </p:ext>
+            </p:extLst>
+          </p:nvPr>
+        </p:nvGraphicFramePr>
+        <p:xfrm>
+          <a:off x="29461332" y="22988587"/>
+          <a:ext cx="12362400" cy="6696000"/>
+        </p:xfrm>
+        <a:graphic>
+          <a:graphicData uri="http://schemas.openxmlformats.org/drawingml/2006/chart">
+            <c:chart xmlns:c="http://schemas.openxmlformats.org/drawingml/2006/chart" xmlns:r="http://schemas.openxmlformats.org/officeDocument/2006/relationships" r:id="rId5"/>
+          </a:graphicData>
+        </a:graphic>
+      </p:graphicFrame>
       <p:grpSp>
         <p:nvGrpSpPr>
-          <p:cNvPr id="3" name="Group 2"/>
+          <p:cNvPr id="44" name="Group 43"/>
           <p:cNvGrpSpPr/>
           <p:nvPr/>
         </p:nvGrpSpPr>
         <p:grpSpPr>
           <a:xfrm>
-            <a:off x="945447" y="8504621"/>
-            <a:ext cx="12210004" cy="11285041"/>
-            <a:chOff x="971674" y="7672387"/>
-            <a:chExt cx="12210004" cy="11285041"/>
+            <a:off x="531879" y="8356984"/>
+            <a:ext cx="13480984" cy="17843909"/>
+            <a:chOff x="819274" y="7672387"/>
+            <a:chExt cx="12362404" cy="17843909"/>
           </a:xfrm>
         </p:grpSpPr>
         <p:sp>
           <p:nvSpPr>
-            <p:cNvPr id="2" name="TextBox 1"/>
+            <p:cNvPr id="45" name="TextBox 44"/>
             <p:cNvSpPr txBox="1"/>
             <p:nvPr/>
           </p:nvSpPr>
           <p:spPr>
             <a:xfrm>
-              <a:off x="971675" y="7672387"/>
-              <a:ext cx="12210003" cy="1169551"/>
+              <a:off x="819275" y="7672387"/>
+              <a:ext cx="12362403" cy="1440734"/>
             </a:xfrm>
             <a:prstGeom prst="rect">
               <a:avLst/>
@@ -3426,37 +4190,38 @@
             </a:solidFill>
           </p:spPr>
           <p:txBody>
-            <a:bodyPr wrap="square" rtlCol="0">
+            <a:bodyPr wrap="square" lIns="360000" tIns="180000" rIns="360000" bIns="180000" rtlCol="0">
               <a:spAutoFit/>
             </a:bodyPr>
             <a:lstStyle/>
             <a:p>
+              <a:pPr algn="ctr"/>
               <a:r>
                 <a:rPr lang="et-EE" sz="7000" dirty="0" smtClean="0">
-                  <a:latin typeface="Open Sans" panose="020B0606030504020204" pitchFamily="34" charset="0"/>
-                  <a:ea typeface="Open Sans" panose="020B0606030504020204" pitchFamily="34" charset="0"/>
-                  <a:cs typeface="Open Sans" panose="020B0606030504020204" pitchFamily="34" charset="0"/>
+                  <a:latin typeface="Open Sans Semibold" panose="020B0706030804020204" pitchFamily="34" charset="0"/>
+                  <a:ea typeface="Open Sans Semibold" panose="020B0706030804020204" pitchFamily="34" charset="0"/>
+                  <a:cs typeface="Open Sans Semibold" panose="020B0706030804020204" pitchFamily="34" charset="0"/>
                 </a:rPr>
-                <a:t>Results</a:t>
+                <a:t>Data</a:t>
               </a:r>
-              <a:endParaRPr lang="et-EE" sz="4000" dirty="0">
-                <a:latin typeface="Open Sans" panose="020B0606030504020204" pitchFamily="34" charset="0"/>
-                <a:ea typeface="Open Sans" panose="020B0606030504020204" pitchFamily="34" charset="0"/>
-                <a:cs typeface="Open Sans" panose="020B0606030504020204" pitchFamily="34" charset="0"/>
+              <a:endParaRPr lang="et-EE" sz="7000" dirty="0">
+                <a:latin typeface="Open Sans Semibold" panose="020B0706030804020204" pitchFamily="34" charset="0"/>
+                <a:ea typeface="Open Sans Semibold" panose="020B0706030804020204" pitchFamily="34" charset="0"/>
+                <a:cs typeface="Open Sans Semibold" panose="020B0706030804020204" pitchFamily="34" charset="0"/>
               </a:endParaRPr>
             </a:p>
           </p:txBody>
         </p:sp>
         <p:sp>
           <p:nvSpPr>
-            <p:cNvPr id="11" name="TextBox 10"/>
+            <p:cNvPr id="46" name="TextBox 45"/>
             <p:cNvSpPr txBox="1"/>
             <p:nvPr/>
           </p:nvSpPr>
           <p:spPr>
             <a:xfrm>
-              <a:off x="971674" y="9016245"/>
-              <a:ext cx="12210003" cy="9941183"/>
+              <a:off x="819274" y="9400437"/>
+              <a:ext cx="12362403" cy="16115859"/>
             </a:xfrm>
             <a:prstGeom prst="rect">
               <a:avLst/>
@@ -3468,323 +4233,139 @@
             </a:solidFill>
           </p:spPr>
           <p:txBody>
-            <a:bodyPr wrap="square" rtlCol="0">
+            <a:bodyPr wrap="square" lIns="360000" tIns="360000" rIns="360000" bIns="360000" rtlCol="0">
               <a:spAutoFit/>
             </a:bodyPr>
             <a:lstStyle/>
             <a:p>
+              <a:pPr algn="just"/>
               <a:r>
-                <a:rPr lang="et-EE" sz="4000" dirty="0" smtClean="0">
+                <a:rPr lang="et-EE" sz="5000" dirty="0" smtClean="0">
                   <a:latin typeface="Open Sans" panose="020B0606030504020204" pitchFamily="34" charset="0"/>
                   <a:ea typeface="Open Sans" panose="020B0606030504020204" pitchFamily="34" charset="0"/>
                   <a:cs typeface="Open Sans" panose="020B0606030504020204" pitchFamily="34" charset="0"/>
                 </a:rPr>
-                <a:t>Lorem</a:t>
+                <a:t>The </a:t>
+              </a:r>
+              <a:r>
+                <a:rPr lang="et-EE" sz="5000" dirty="0" smtClean="0">
+                  <a:latin typeface="Open Sans" panose="020B0606030504020204" pitchFamily="34" charset="0"/>
+                  <a:ea typeface="Open Sans" panose="020B0606030504020204" pitchFamily="34" charset="0"/>
+                  <a:cs typeface="Open Sans" panose="020B0606030504020204" pitchFamily="34" charset="0"/>
+                </a:rPr>
+                <a:t>input data, </a:t>
+              </a:r>
+              <a:r>
+                <a:rPr lang="et-EE" sz="5000" dirty="0" smtClean="0">
+                  <a:latin typeface="Open Sans" panose="020B0606030504020204" pitchFamily="34" charset="0"/>
+                  <a:ea typeface="Open Sans" panose="020B0606030504020204" pitchFamily="34" charset="0"/>
+                  <a:cs typeface="Open Sans" panose="020B0606030504020204" pitchFamily="34" charset="0"/>
+                </a:rPr>
+                <a:t>consisting of patients’ genders, ages and diagnosis histories, was </a:t>
+              </a:r>
+              <a:r>
+                <a:rPr lang="et-EE" sz="5000" dirty="0" smtClean="0">
+                  <a:latin typeface="Open Sans" panose="020B0606030504020204" pitchFamily="34" charset="0"/>
+                  <a:ea typeface="Open Sans" panose="020B0606030504020204" pitchFamily="34" charset="0"/>
+                  <a:cs typeface="Open Sans" panose="020B0606030504020204" pitchFamily="34" charset="0"/>
+                </a:rPr>
+                <a:t>filtered to remove patients with no diagnosis records and patients above the ages of 100</a:t>
+              </a:r>
+              <a:r>
+                <a:rPr lang="et-EE" sz="5000" dirty="0" smtClean="0">
+                  <a:latin typeface="Open Sans" panose="020B0606030504020204" pitchFamily="34" charset="0"/>
+                  <a:ea typeface="Open Sans" panose="020B0606030504020204" pitchFamily="34" charset="0"/>
+                  <a:cs typeface="Open Sans" panose="020B0606030504020204" pitchFamily="34" charset="0"/>
+                </a:rPr>
+                <a:t>.</a:t>
               </a:r>
             </a:p>
             <a:p>
-              <a:endParaRPr lang="et-EE" sz="4000" dirty="0">
+              <a:pPr algn="just"/>
+              <a:r>
+                <a:rPr lang="et-EE" sz="5000" dirty="0" smtClean="0">
+                  <a:latin typeface="Open Sans" panose="020B0606030504020204" pitchFamily="34" charset="0"/>
+                  <a:ea typeface="Open Sans" panose="020B0606030504020204" pitchFamily="34" charset="0"/>
+                  <a:cs typeface="Open Sans" panose="020B0606030504020204" pitchFamily="34" charset="0"/>
+                </a:rPr>
+                <a:t>Ages were assigned into 8 bins with edges at 0, 20, 30, 40, 50, 60, 70, 80, 100 years. This produced  bins containing 2000-7000 examples.</a:t>
+              </a:r>
+              <a:endParaRPr lang="et-EE" sz="5000" dirty="0" smtClean="0">
                 <a:latin typeface="Open Sans" panose="020B0606030504020204" pitchFamily="34" charset="0"/>
                 <a:ea typeface="Open Sans" panose="020B0606030504020204" pitchFamily="34" charset="0"/>
                 <a:cs typeface="Open Sans" panose="020B0606030504020204" pitchFamily="34" charset="0"/>
               </a:endParaRPr>
             </a:p>
             <a:p>
-              <a:endParaRPr lang="et-EE" sz="4000" dirty="0" smtClean="0">
-                <a:latin typeface="Open Sans" panose="020B0606030504020204" pitchFamily="34" charset="0"/>
-                <a:ea typeface="Open Sans" panose="020B0606030504020204" pitchFamily="34" charset="0"/>
-                <a:cs typeface="Open Sans" panose="020B0606030504020204" pitchFamily="34" charset="0"/>
-              </a:endParaRPr>
-            </a:p>
-            <a:p>
-              <a:endParaRPr lang="et-EE" sz="4000" dirty="0">
-                <a:latin typeface="Open Sans" panose="020B0606030504020204" pitchFamily="34" charset="0"/>
-                <a:ea typeface="Open Sans" panose="020B0606030504020204" pitchFamily="34" charset="0"/>
-                <a:cs typeface="Open Sans" panose="020B0606030504020204" pitchFamily="34" charset="0"/>
-              </a:endParaRPr>
-            </a:p>
-            <a:p>
-              <a:endParaRPr lang="et-EE" sz="4000" dirty="0" smtClean="0">
-                <a:latin typeface="Open Sans" panose="020B0606030504020204" pitchFamily="34" charset="0"/>
-                <a:ea typeface="Open Sans" panose="020B0606030504020204" pitchFamily="34" charset="0"/>
-                <a:cs typeface="Open Sans" panose="020B0606030504020204" pitchFamily="34" charset="0"/>
-              </a:endParaRPr>
-            </a:p>
-            <a:p>
-              <a:endParaRPr lang="et-EE" sz="4000" dirty="0">
-                <a:latin typeface="Open Sans" panose="020B0606030504020204" pitchFamily="34" charset="0"/>
-                <a:ea typeface="Open Sans" panose="020B0606030504020204" pitchFamily="34" charset="0"/>
-                <a:cs typeface="Open Sans" panose="020B0606030504020204" pitchFamily="34" charset="0"/>
-              </a:endParaRPr>
-            </a:p>
-            <a:p>
-              <a:endParaRPr lang="et-EE" sz="4000" dirty="0" smtClean="0">
-                <a:latin typeface="Open Sans" panose="020B0606030504020204" pitchFamily="34" charset="0"/>
-                <a:ea typeface="Open Sans" panose="020B0606030504020204" pitchFamily="34" charset="0"/>
-                <a:cs typeface="Open Sans" panose="020B0606030504020204" pitchFamily="34" charset="0"/>
-              </a:endParaRPr>
-            </a:p>
-            <a:p>
-              <a:endParaRPr lang="et-EE" sz="4000" dirty="0">
-                <a:latin typeface="Open Sans" panose="020B0606030504020204" pitchFamily="34" charset="0"/>
-                <a:ea typeface="Open Sans" panose="020B0606030504020204" pitchFamily="34" charset="0"/>
-                <a:cs typeface="Open Sans" panose="020B0606030504020204" pitchFamily="34" charset="0"/>
-              </a:endParaRPr>
-            </a:p>
-            <a:p>
-              <a:endParaRPr lang="et-EE" sz="4000" dirty="0" smtClean="0">
-                <a:latin typeface="Open Sans" panose="020B0606030504020204" pitchFamily="34" charset="0"/>
-                <a:ea typeface="Open Sans" panose="020B0606030504020204" pitchFamily="34" charset="0"/>
-                <a:cs typeface="Open Sans" panose="020B0606030504020204" pitchFamily="34" charset="0"/>
-              </a:endParaRPr>
-            </a:p>
-            <a:p>
-              <a:endParaRPr lang="et-EE" sz="4000" dirty="0">
-                <a:latin typeface="Open Sans" panose="020B0606030504020204" pitchFamily="34" charset="0"/>
-                <a:ea typeface="Open Sans" panose="020B0606030504020204" pitchFamily="34" charset="0"/>
-                <a:cs typeface="Open Sans" panose="020B0606030504020204" pitchFamily="34" charset="0"/>
-              </a:endParaRPr>
-            </a:p>
-            <a:p>
-              <a:endParaRPr lang="et-EE" sz="4000" dirty="0" smtClean="0">
-                <a:latin typeface="Open Sans" panose="020B0606030504020204" pitchFamily="34" charset="0"/>
-                <a:ea typeface="Open Sans" panose="020B0606030504020204" pitchFamily="34" charset="0"/>
-                <a:cs typeface="Open Sans" panose="020B0606030504020204" pitchFamily="34" charset="0"/>
-              </a:endParaRPr>
-            </a:p>
-            <a:p>
-              <a:endParaRPr lang="et-EE" sz="4000" dirty="0">
-                <a:latin typeface="Open Sans" panose="020B0606030504020204" pitchFamily="34" charset="0"/>
-                <a:ea typeface="Open Sans" panose="020B0606030504020204" pitchFamily="34" charset="0"/>
-                <a:cs typeface="Open Sans" panose="020B0606030504020204" pitchFamily="34" charset="0"/>
-              </a:endParaRPr>
-            </a:p>
-            <a:p>
-              <a:endParaRPr lang="et-EE" sz="4000" dirty="0" smtClean="0">
-                <a:latin typeface="Open Sans" panose="020B0606030504020204" pitchFamily="34" charset="0"/>
-                <a:ea typeface="Open Sans" panose="020B0606030504020204" pitchFamily="34" charset="0"/>
-                <a:cs typeface="Open Sans" panose="020B0606030504020204" pitchFamily="34" charset="0"/>
-              </a:endParaRPr>
-            </a:p>
-            <a:p>
-              <a:endParaRPr lang="et-EE" sz="4000" dirty="0">
-                <a:latin typeface="Open Sans" panose="020B0606030504020204" pitchFamily="34" charset="0"/>
-                <a:ea typeface="Open Sans" panose="020B0606030504020204" pitchFamily="34" charset="0"/>
-                <a:cs typeface="Open Sans" panose="020B0606030504020204" pitchFamily="34" charset="0"/>
-              </a:endParaRPr>
-            </a:p>
-            <a:p>
-              <a:endParaRPr lang="et-EE" sz="4000" dirty="0" smtClean="0">
-                <a:latin typeface="Open Sans" panose="020B0606030504020204" pitchFamily="34" charset="0"/>
-                <a:ea typeface="Open Sans" panose="020B0606030504020204" pitchFamily="34" charset="0"/>
-                <a:cs typeface="Open Sans" panose="020B0606030504020204" pitchFamily="34" charset="0"/>
-              </a:endParaRPr>
-            </a:p>
-            <a:p>
+              <a:pPr algn="just"/>
               <a:r>
-                <a:rPr lang="et-EE" sz="4000" dirty="0" smtClean="0">
+                <a:rPr lang="et-EE" sz="5000" dirty="0" smtClean="0">
                   <a:latin typeface="Open Sans" panose="020B0606030504020204" pitchFamily="34" charset="0"/>
                   <a:ea typeface="Open Sans" panose="020B0606030504020204" pitchFamily="34" charset="0"/>
                   <a:cs typeface="Open Sans" panose="020B0606030504020204" pitchFamily="34" charset="0"/>
                 </a:rPr>
-                <a:t>ipsum</a:t>
+                <a:t>The </a:t>
               </a:r>
-              <a:endParaRPr lang="et-EE" sz="4000" dirty="0">
-                <a:latin typeface="Open Sans" panose="020B0606030504020204" pitchFamily="34" charset="0"/>
-                <a:ea typeface="Open Sans" panose="020B0606030504020204" pitchFamily="34" charset="0"/>
-                <a:cs typeface="Open Sans" panose="020B0606030504020204" pitchFamily="34" charset="0"/>
-              </a:endParaRPr>
-            </a:p>
-          </p:txBody>
-        </p:sp>
-      </p:grpSp>
-      <p:grpSp>
-        <p:nvGrpSpPr>
-          <p:cNvPr id="12" name="Group 11"/>
-          <p:cNvGrpSpPr/>
-          <p:nvPr/>
-        </p:nvGrpSpPr>
-        <p:grpSpPr>
-          <a:xfrm>
-            <a:off x="14692456" y="8504621"/>
-            <a:ext cx="12210004" cy="10053935"/>
-            <a:chOff x="971674" y="7672387"/>
-            <a:chExt cx="12210004" cy="10053935"/>
-          </a:xfrm>
-        </p:grpSpPr>
-        <p:sp>
-          <p:nvSpPr>
-            <p:cNvPr id="13" name="TextBox 12"/>
-            <p:cNvSpPr txBox="1"/>
-            <p:nvPr/>
-          </p:nvSpPr>
-          <p:spPr>
-            <a:xfrm>
-              <a:off x="971675" y="7672387"/>
-              <a:ext cx="12210003" cy="1169551"/>
-            </a:xfrm>
-            <a:prstGeom prst="rect">
-              <a:avLst/>
-            </a:prstGeom>
-            <a:solidFill>
-              <a:schemeClr val="bg2">
-                <a:lumMod val="90000"/>
-              </a:schemeClr>
-            </a:solidFill>
-          </p:spPr>
-          <p:txBody>
-            <a:bodyPr wrap="square" rtlCol="0">
-              <a:spAutoFit/>
-            </a:bodyPr>
-            <a:lstStyle/>
-            <a:p>
               <a:r>
-                <a:rPr lang="et-EE" sz="7000" dirty="0" smtClean="0">
+                <a:rPr lang="et-EE" sz="5000" dirty="0" smtClean="0">
                   <a:latin typeface="Open Sans" panose="020B0606030504020204" pitchFamily="34" charset="0"/>
                   <a:ea typeface="Open Sans" panose="020B0606030504020204" pitchFamily="34" charset="0"/>
                   <a:cs typeface="Open Sans" panose="020B0606030504020204" pitchFamily="34" charset="0"/>
                 </a:rPr>
-                <a:t>Data</a:t>
+                <a:t>original diagnosis histories, given </a:t>
               </a:r>
-              <a:endParaRPr lang="et-EE" sz="7000" dirty="0">
-                <a:latin typeface="Open Sans" panose="020B0606030504020204" pitchFamily="34" charset="0"/>
-                <a:ea typeface="Open Sans" panose="020B0606030504020204" pitchFamily="34" charset="0"/>
-                <a:cs typeface="Open Sans" panose="020B0606030504020204" pitchFamily="34" charset="0"/>
-              </a:endParaRPr>
-            </a:p>
-          </p:txBody>
-        </p:sp>
-        <p:sp>
-          <p:nvSpPr>
-            <p:cNvPr id="14" name="TextBox 13"/>
-            <p:cNvSpPr txBox="1"/>
-            <p:nvPr/>
-          </p:nvSpPr>
-          <p:spPr>
-            <a:xfrm>
-              <a:off x="971674" y="9016245"/>
-              <a:ext cx="12210003" cy="8710077"/>
-            </a:xfrm>
-            <a:prstGeom prst="rect">
-              <a:avLst/>
-            </a:prstGeom>
-            <a:solidFill>
-              <a:schemeClr val="bg1">
-                <a:lumMod val="95000"/>
-              </a:schemeClr>
-            </a:solidFill>
-          </p:spPr>
-          <p:txBody>
-            <a:bodyPr wrap="square" rtlCol="0">
-              <a:spAutoFit/>
-            </a:bodyPr>
-            <a:lstStyle/>
-            <a:p>
-              <a:pPr algn="just">
-                <a:lnSpc>
-                  <a:spcPts val="4800"/>
-                </a:lnSpc>
-              </a:pPr>
               <a:r>
-                <a:rPr lang="et-EE" sz="4000" dirty="0" smtClean="0">
+                <a:rPr lang="et-EE" sz="5000" dirty="0" smtClean="0">
                   <a:latin typeface="Open Sans" panose="020B0606030504020204" pitchFamily="34" charset="0"/>
                   <a:ea typeface="Open Sans" panose="020B0606030504020204" pitchFamily="34" charset="0"/>
                   <a:cs typeface="Open Sans" panose="020B0606030504020204" pitchFamily="34" charset="0"/>
                 </a:rPr>
-                <a:t>The input data, consisting of patients’ genders, ages and diagnosis histories, was filtered to remove patients with no diagnosis records and patients above the ages of 100.</a:t>
+                <a:t>as lists of </a:t>
               </a:r>
-            </a:p>
-            <a:p>
-              <a:pPr algn="just">
-                <a:lnSpc>
-                  <a:spcPts val="4800"/>
-                </a:lnSpc>
-              </a:pPr>
               <a:r>
-                <a:rPr lang="et-EE" sz="4000" dirty="0" smtClean="0">
+                <a:rPr lang="et-EE" sz="5000" dirty="0" smtClean="0">
                   <a:latin typeface="Open Sans" panose="020B0606030504020204" pitchFamily="34" charset="0"/>
                   <a:ea typeface="Open Sans" panose="020B0606030504020204" pitchFamily="34" charset="0"/>
                   <a:cs typeface="Open Sans" panose="020B0606030504020204" pitchFamily="34" charset="0"/>
                 </a:rPr>
-                <a:t>The original diagnosis histories, given as Estonian RHK-10 codes, were binned by removing one level of specificity from the codes (e.g. G01.8 was mapped into G01).</a:t>
+                <a:t>Estonian RHK-10 codes, were binned by removing one level of specificity from the codes (e.g. </a:t>
               </a:r>
-              <a:endParaRPr lang="et-EE" sz="4000" dirty="0" smtClean="0">
-                <a:latin typeface="Open Sans" panose="020B0606030504020204" pitchFamily="34" charset="0"/>
-                <a:ea typeface="Open Sans" panose="020B0606030504020204" pitchFamily="34" charset="0"/>
-                <a:cs typeface="Open Sans" panose="020B0606030504020204" pitchFamily="34" charset="0"/>
-              </a:endParaRPr>
-            </a:p>
-            <a:p>
-              <a:pPr algn="just">
-                <a:lnSpc>
-                  <a:spcPts val="4800"/>
-                </a:lnSpc>
-              </a:pPr>
               <a:r>
-                <a:rPr lang="et-EE" sz="4000" dirty="0" smtClean="0">
+                <a:rPr lang="et-EE" sz="5000" dirty="0" smtClean="0">
                   <a:latin typeface="Open Sans" panose="020B0606030504020204" pitchFamily="34" charset="0"/>
                   <a:ea typeface="Open Sans" panose="020B0606030504020204" pitchFamily="34" charset="0"/>
                   <a:cs typeface="Open Sans" panose="020B0606030504020204" pitchFamily="34" charset="0"/>
                 </a:rPr>
-                <a:t>After preprocessing, a sample of 48 728 patients was left.</a:t>
+                <a:t>‘G01.8’ </a:t>
               </a:r>
-              <a:endParaRPr lang="et-EE" sz="4000" dirty="0">
-                <a:latin typeface="Open Sans" panose="020B0606030504020204" pitchFamily="34" charset="0"/>
-                <a:ea typeface="Open Sans" panose="020B0606030504020204" pitchFamily="34" charset="0"/>
-                <a:cs typeface="Open Sans" panose="020B0606030504020204" pitchFamily="34" charset="0"/>
-              </a:endParaRPr>
-            </a:p>
-            <a:p>
-              <a:pPr algn="just">
-                <a:lnSpc>
-                  <a:spcPts val="4800"/>
-                </a:lnSpc>
-              </a:pPr>
-              <a:endParaRPr lang="et-EE" sz="4000" dirty="0" smtClean="0">
-                <a:latin typeface="Open Sans" panose="020B0606030504020204" pitchFamily="34" charset="0"/>
-                <a:ea typeface="Open Sans" panose="020B0606030504020204" pitchFamily="34" charset="0"/>
-                <a:cs typeface="Open Sans" panose="020B0606030504020204" pitchFamily="34" charset="0"/>
-              </a:endParaRPr>
-            </a:p>
-            <a:p>
-              <a:pPr algn="just">
-                <a:lnSpc>
-                  <a:spcPts val="4800"/>
-                </a:lnSpc>
-              </a:pPr>
-              <a:endParaRPr lang="et-EE" sz="4000" dirty="0">
-                <a:latin typeface="Open Sans" panose="020B0606030504020204" pitchFamily="34" charset="0"/>
-                <a:ea typeface="Open Sans" panose="020B0606030504020204" pitchFamily="34" charset="0"/>
-                <a:cs typeface="Open Sans" panose="020B0606030504020204" pitchFamily="34" charset="0"/>
-              </a:endParaRPr>
-            </a:p>
-            <a:p>
-              <a:pPr algn="just">
-                <a:lnSpc>
-                  <a:spcPts val="4800"/>
-                </a:lnSpc>
-              </a:pPr>
-              <a:endParaRPr lang="et-EE" sz="4000" dirty="0" smtClean="0">
-                <a:latin typeface="Open Sans" panose="020B0606030504020204" pitchFamily="34" charset="0"/>
-                <a:ea typeface="Open Sans" panose="020B0606030504020204" pitchFamily="34" charset="0"/>
-                <a:cs typeface="Open Sans" panose="020B0606030504020204" pitchFamily="34" charset="0"/>
-              </a:endParaRPr>
-            </a:p>
-            <a:p>
-              <a:pPr algn="just">
-                <a:lnSpc>
-                  <a:spcPts val="4800"/>
-                </a:lnSpc>
-              </a:pPr>
               <a:r>
-                <a:rPr lang="et-EE" sz="4000" dirty="0" smtClean="0">
+                <a:rPr lang="et-EE" sz="5000" dirty="0" smtClean="0">
                   <a:latin typeface="Open Sans" panose="020B0606030504020204" pitchFamily="34" charset="0"/>
                   <a:ea typeface="Open Sans" panose="020B0606030504020204" pitchFamily="34" charset="0"/>
                   <a:cs typeface="Open Sans" panose="020B0606030504020204" pitchFamily="34" charset="0"/>
                 </a:rPr>
-                <a:t>ipsum</a:t>
+                <a:t>was mapped </a:t>
               </a:r>
-              <a:endParaRPr lang="et-EE" sz="4000" dirty="0">
+              <a:r>
+                <a:rPr lang="et-EE" sz="5000" dirty="0" smtClean="0">
+                  <a:latin typeface="Open Sans" panose="020B0606030504020204" pitchFamily="34" charset="0"/>
+                  <a:ea typeface="Open Sans" panose="020B0606030504020204" pitchFamily="34" charset="0"/>
+                  <a:cs typeface="Open Sans" panose="020B0606030504020204" pitchFamily="34" charset="0"/>
+                </a:rPr>
+                <a:t>to ‘G01’), and transformed into a binary vector discarding the number of times each diagnosis occurred.</a:t>
+              </a:r>
+            </a:p>
+            <a:p>
+              <a:pPr algn="just"/>
+              <a:r>
+                <a:rPr lang="et-EE" sz="5000" dirty="0" smtClean="0">
+                  <a:latin typeface="Open Sans" panose="020B0606030504020204" pitchFamily="34" charset="0"/>
+                  <a:ea typeface="Open Sans" panose="020B0606030504020204" pitchFamily="34" charset="0"/>
+                  <a:cs typeface="Open Sans" panose="020B0606030504020204" pitchFamily="34" charset="0"/>
+                </a:rPr>
+                <a:t>After preprocessing, a sample of 48 728 patients was left. This data was partitioned into training (60%), validation (20%) and test (20%) sets.</a:t>
+              </a:r>
+              <a:endParaRPr lang="et-EE" sz="5000" dirty="0">
                 <a:latin typeface="Open Sans" panose="020B0606030504020204" pitchFamily="34" charset="0"/>
                 <a:ea typeface="Open Sans" panose="020B0606030504020204" pitchFamily="34" charset="0"/>
                 <a:cs typeface="Open Sans" panose="020B0606030504020204" pitchFamily="34" charset="0"/>
@@ -3803,6 +4384,13 @@
   <p:clrMapOvr>
     <a:masterClrMapping/>
   </p:clrMapOvr>
+  <p:timing>
+    <p:tnLst>
+      <p:par>
+        <p:cTn id="1" dur="indefinite" restart="never" nodeType="tmRoot"/>
+      </p:par>
+    </p:tnLst>
+  </p:timing>
 </p:sld>
 </file>
 
@@ -4087,4 +4675,289 @@
   <a:objectDefaults/>
   <a:extraClrSchemeLst/>
 </a:theme>
+</file>
+
+<file path=ppt/theme/theme2.xml><?xml version="1.0" encoding="utf-8"?>
+<a:theme xmlns:a="http://schemas.openxmlformats.org/drawingml/2006/main" name="Office Theme">
+  <a:themeElements>
+    <a:clrScheme name="Office">
+      <a:dk1>
+        <a:sysClr val="windowText" lastClr="000000"/>
+      </a:dk1>
+      <a:lt1>
+        <a:sysClr val="window" lastClr="FFFFFF"/>
+      </a:lt1>
+      <a:dk2>
+        <a:srgbClr val="1F497D"/>
+      </a:dk2>
+      <a:lt2>
+        <a:srgbClr val="EEECE1"/>
+      </a:lt2>
+      <a:accent1>
+        <a:srgbClr val="4F81BD"/>
+      </a:accent1>
+      <a:accent2>
+        <a:srgbClr val="C0504D"/>
+      </a:accent2>
+      <a:accent3>
+        <a:srgbClr val="9BBB59"/>
+      </a:accent3>
+      <a:accent4>
+        <a:srgbClr val="8064A2"/>
+      </a:accent4>
+      <a:accent5>
+        <a:srgbClr val="4BACC6"/>
+      </a:accent5>
+      <a:accent6>
+        <a:srgbClr val="F79646"/>
+      </a:accent6>
+      <a:hlink>
+        <a:srgbClr val="0000FF"/>
+      </a:hlink>
+      <a:folHlink>
+        <a:srgbClr val="800080"/>
+      </a:folHlink>
+    </a:clrScheme>
+    <a:fontScheme name="Office">
+      <a:majorFont>
+        <a:latin typeface="Calibri"/>
+        <a:ea typeface=""/>
+        <a:cs typeface=""/>
+        <a:font script="Jpan" typeface="ＭＳ Ｐゴシック"/>
+        <a:font script="Hang" typeface="맑은 고딕"/>
+        <a:font script="Hans" typeface="宋体"/>
+        <a:font script="Hant" typeface="新細明體"/>
+        <a:font script="Arab" typeface="Times New Roman"/>
+        <a:font script="Hebr" typeface="Times New Roman"/>
+        <a:font script="Thai" typeface="Angsana New"/>
+        <a:font script="Ethi" typeface="Nyala"/>
+        <a:font script="Beng" typeface="Vrinda"/>
+        <a:font script="Gujr" typeface="Shruti"/>
+        <a:font script="Khmr" typeface="MoolBoran"/>
+        <a:font script="Knda" typeface="Tunga"/>
+        <a:font script="Guru" typeface="Raavi"/>
+        <a:font script="Cans" typeface="Euphemia"/>
+        <a:font script="Cher" typeface="Plantagenet Cherokee"/>
+        <a:font script="Yiii" typeface="Microsoft Yi Baiti"/>
+        <a:font script="Tibt" typeface="Microsoft Himalaya"/>
+        <a:font script="Thaa" typeface="MV Boli"/>
+        <a:font script="Deva" typeface="Mangal"/>
+        <a:font script="Telu" typeface="Gautami"/>
+        <a:font script="Taml" typeface="Latha"/>
+        <a:font script="Syrc" typeface="Estrangelo Edessa"/>
+        <a:font script="Orya" typeface="Kalinga"/>
+        <a:font script="Mlym" typeface="Kartika"/>
+        <a:font script="Laoo" typeface="DokChampa"/>
+        <a:font script="Sinh" typeface="Iskoola Pota"/>
+        <a:font script="Mong" typeface="Mongolian Baiti"/>
+        <a:font script="Viet" typeface="Times New Roman"/>
+        <a:font script="Uigh" typeface="Microsoft Uighur"/>
+        <a:font script="Geor" typeface="Sylfaen"/>
+      </a:majorFont>
+      <a:minorFont>
+        <a:latin typeface="Calibri"/>
+        <a:ea typeface=""/>
+        <a:cs typeface=""/>
+        <a:font script="Jpan" typeface="ＭＳ Ｐゴシック"/>
+        <a:font script="Hang" typeface="맑은 고딕"/>
+        <a:font script="Hans" typeface="宋体"/>
+        <a:font script="Hant" typeface="新細明體"/>
+        <a:font script="Arab" typeface="Arial"/>
+        <a:font script="Hebr" typeface="Arial"/>
+        <a:font script="Thai" typeface="Cordia New"/>
+        <a:font script="Ethi" typeface="Nyala"/>
+        <a:font script="Beng" typeface="Vrinda"/>
+        <a:font script="Gujr" typeface="Shruti"/>
+        <a:font script="Khmr" typeface="DaunPenh"/>
+        <a:font script="Knda" typeface="Tunga"/>
+        <a:font script="Guru" typeface="Raavi"/>
+        <a:font script="Cans" typeface="Euphemia"/>
+        <a:font script="Cher" typeface="Plantagenet Cherokee"/>
+        <a:font script="Yiii" typeface="Microsoft Yi Baiti"/>
+        <a:font script="Tibt" typeface="Microsoft Himalaya"/>
+        <a:font script="Thaa" typeface="MV Boli"/>
+        <a:font script="Deva" typeface="Mangal"/>
+        <a:font script="Telu" typeface="Gautami"/>
+        <a:font script="Taml" typeface="Latha"/>
+        <a:font script="Syrc" typeface="Estrangelo Edessa"/>
+        <a:font script="Orya" typeface="Kalinga"/>
+        <a:font script="Mlym" typeface="Kartika"/>
+        <a:font script="Laoo" typeface="DokChampa"/>
+        <a:font script="Sinh" typeface="Iskoola Pota"/>
+        <a:font script="Mong" typeface="Mongolian Baiti"/>
+        <a:font script="Viet" typeface="Arial"/>
+        <a:font script="Uigh" typeface="Microsoft Uighur"/>
+        <a:font script="Geor" typeface="Sylfaen"/>
+      </a:minorFont>
+    </a:fontScheme>
+    <a:fmtScheme name="Office">
+      <a:fillStyleLst>
+        <a:solidFill>
+          <a:schemeClr val="phClr"/>
+        </a:solidFill>
+        <a:gradFill rotWithShape="1">
+          <a:gsLst>
+            <a:gs pos="0">
+              <a:schemeClr val="phClr">
+                <a:tint val="50000"/>
+                <a:satMod val="300000"/>
+              </a:schemeClr>
+            </a:gs>
+            <a:gs pos="35000">
+              <a:schemeClr val="phClr">
+                <a:tint val="37000"/>
+                <a:satMod val="300000"/>
+              </a:schemeClr>
+            </a:gs>
+            <a:gs pos="100000">
+              <a:schemeClr val="phClr">
+                <a:tint val="15000"/>
+                <a:satMod val="350000"/>
+              </a:schemeClr>
+            </a:gs>
+          </a:gsLst>
+          <a:lin ang="16200000" scaled="1"/>
+        </a:gradFill>
+        <a:gradFill rotWithShape="1">
+          <a:gsLst>
+            <a:gs pos="0">
+              <a:schemeClr val="phClr">
+                <a:shade val="51000"/>
+                <a:satMod val="130000"/>
+              </a:schemeClr>
+            </a:gs>
+            <a:gs pos="80000">
+              <a:schemeClr val="phClr">
+                <a:shade val="93000"/>
+                <a:satMod val="130000"/>
+              </a:schemeClr>
+            </a:gs>
+            <a:gs pos="100000">
+              <a:schemeClr val="phClr">
+                <a:shade val="94000"/>
+                <a:satMod val="135000"/>
+              </a:schemeClr>
+            </a:gs>
+          </a:gsLst>
+          <a:lin ang="16200000" scaled="0"/>
+        </a:gradFill>
+      </a:fillStyleLst>
+      <a:lnStyleLst>
+        <a:ln w="9525" cap="flat" cmpd="sng" algn="ctr">
+          <a:solidFill>
+            <a:schemeClr val="phClr">
+              <a:shade val="95000"/>
+              <a:satMod val="105000"/>
+            </a:schemeClr>
+          </a:solidFill>
+          <a:prstDash val="solid"/>
+        </a:ln>
+        <a:ln w="25400" cap="flat" cmpd="sng" algn="ctr">
+          <a:solidFill>
+            <a:schemeClr val="phClr"/>
+          </a:solidFill>
+          <a:prstDash val="solid"/>
+        </a:ln>
+        <a:ln w="38100" cap="flat" cmpd="sng" algn="ctr">
+          <a:solidFill>
+            <a:schemeClr val="phClr"/>
+          </a:solidFill>
+          <a:prstDash val="solid"/>
+        </a:ln>
+      </a:lnStyleLst>
+      <a:effectStyleLst>
+        <a:effectStyle>
+          <a:effectLst>
+            <a:outerShdw blurRad="40000" dist="20000" dir="5400000" rotWithShape="0">
+              <a:srgbClr val="000000">
+                <a:alpha val="38000"/>
+              </a:srgbClr>
+            </a:outerShdw>
+          </a:effectLst>
+        </a:effectStyle>
+        <a:effectStyle>
+          <a:effectLst>
+            <a:outerShdw blurRad="40000" dist="23000" dir="5400000" rotWithShape="0">
+              <a:srgbClr val="000000">
+                <a:alpha val="35000"/>
+              </a:srgbClr>
+            </a:outerShdw>
+          </a:effectLst>
+        </a:effectStyle>
+        <a:effectStyle>
+          <a:effectLst>
+            <a:outerShdw blurRad="40000" dist="23000" dir="5400000" rotWithShape="0">
+              <a:srgbClr val="000000">
+                <a:alpha val="35000"/>
+              </a:srgbClr>
+            </a:outerShdw>
+          </a:effectLst>
+          <a:scene3d>
+            <a:camera prst="orthographicFront">
+              <a:rot lat="0" lon="0" rev="0"/>
+            </a:camera>
+            <a:lightRig rig="threePt" dir="t">
+              <a:rot lat="0" lon="0" rev="1200000"/>
+            </a:lightRig>
+          </a:scene3d>
+          <a:sp3d>
+            <a:bevelT w="63500" h="25400"/>
+          </a:sp3d>
+        </a:effectStyle>
+      </a:effectStyleLst>
+      <a:bgFillStyleLst>
+        <a:solidFill>
+          <a:schemeClr val="phClr"/>
+        </a:solidFill>
+        <a:gradFill rotWithShape="1">
+          <a:gsLst>
+            <a:gs pos="0">
+              <a:schemeClr val="phClr">
+                <a:tint val="40000"/>
+                <a:satMod val="350000"/>
+              </a:schemeClr>
+            </a:gs>
+            <a:gs pos="40000">
+              <a:schemeClr val="phClr">
+                <a:tint val="45000"/>
+                <a:shade val="99000"/>
+                <a:satMod val="350000"/>
+              </a:schemeClr>
+            </a:gs>
+            <a:gs pos="100000">
+              <a:schemeClr val="phClr">
+                <a:shade val="20000"/>
+                <a:satMod val="255000"/>
+              </a:schemeClr>
+            </a:gs>
+          </a:gsLst>
+          <a:path path="circle">
+            <a:fillToRect l="50000" t="-80000" r="50000" b="180000"/>
+          </a:path>
+        </a:gradFill>
+        <a:gradFill rotWithShape="1">
+          <a:gsLst>
+            <a:gs pos="0">
+              <a:schemeClr val="phClr">
+                <a:tint val="80000"/>
+                <a:satMod val="300000"/>
+              </a:schemeClr>
+            </a:gs>
+            <a:gs pos="100000">
+              <a:schemeClr val="phClr">
+                <a:shade val="30000"/>
+                <a:satMod val="200000"/>
+              </a:schemeClr>
+            </a:gs>
+          </a:gsLst>
+          <a:path path="circle">
+            <a:fillToRect l="50000" t="50000" r="50000" b="50000"/>
+          </a:path>
+        </a:gradFill>
+      </a:bgFillStyleLst>
+    </a:fmtScheme>
+  </a:themeElements>
+  <a:objectDefaults/>
+  <a:extraClrSchemeLst/>
+</a:theme>
 </file>
--- a/doc/poster.pptx
+++ b/doc/poster.pptx
@@ -277,11 +277,11 @@
           <c:showBubbleSize val="0"/>
         </c:dLbls>
         <c:gapWidth val="14"/>
-        <c:axId val="79131392"/>
-        <c:axId val="79134080"/>
+        <c:axId val="20916864"/>
+        <c:axId val="22307968"/>
       </c:barChart>
       <c:catAx>
-        <c:axId val="79131392"/>
+        <c:axId val="20916864"/>
         <c:scaling>
           <c:orientation val="minMax"/>
         </c:scaling>
@@ -297,12 +297,28 @@
                   <a:defRPr/>
                 </a:pPr>
                 <a:r>
-                  <a:rPr lang="et-EE" b="0">
+                  <a:rPr lang="et-EE" b="0" dirty="0">
                     <a:latin typeface="Open Sans Semibold" panose="020B0706030804020204" pitchFamily="34" charset="0"/>
                     <a:ea typeface="Open Sans Semibold" panose="020B0706030804020204" pitchFamily="34" charset="0"/>
                     <a:cs typeface="Open Sans Semibold" panose="020B0706030804020204" pitchFamily="34" charset="0"/>
                   </a:rPr>
-                  <a:t>Number of diagnoses</a:t>
+                  <a:t>Number of</a:t>
+                </a:r>
+                <a:r>
+                  <a:rPr lang="et-EE" b="0" baseline="0" dirty="0">
+                    <a:latin typeface="Open Sans Semibold" panose="020B0706030804020204" pitchFamily="34" charset="0"/>
+                    <a:ea typeface="Open Sans Semibold" panose="020B0706030804020204" pitchFamily="34" charset="0"/>
+                    <a:cs typeface="Open Sans Semibold" panose="020B0706030804020204" pitchFamily="34" charset="0"/>
+                  </a:rPr>
+                  <a:t> </a:t>
+                </a:r>
+                <a:r>
+                  <a:rPr lang="et-EE" b="0" dirty="0">
+                    <a:latin typeface="Open Sans Semibold" panose="020B0706030804020204" pitchFamily="34" charset="0"/>
+                    <a:ea typeface="Open Sans Semibold" panose="020B0706030804020204" pitchFamily="34" charset="0"/>
+                    <a:cs typeface="Open Sans Semibold" panose="020B0706030804020204" pitchFamily="34" charset="0"/>
+                  </a:rPr>
+                  <a:t>different diagnoses</a:t>
                 </a:r>
               </a:p>
             </c:rich>
@@ -313,7 +329,7 @@
         <c:majorTickMark val="out"/>
         <c:minorTickMark val="none"/>
         <c:tickLblPos val="nextTo"/>
-        <c:crossAx val="79134080"/>
+        <c:crossAx val="22307968"/>
         <c:crosses val="autoZero"/>
         <c:auto val="1"/>
         <c:lblAlgn val="ctr"/>
@@ -322,7 +338,7 @@
         <c:noMultiLvlLbl val="0"/>
       </c:catAx>
       <c:valAx>
-        <c:axId val="79134080"/>
+        <c:axId val="22307968"/>
         <c:scaling>
           <c:orientation val="minMax"/>
           <c:max val="8000"/>
@@ -333,11 +349,7 @@
         <c:majorGridlines>
           <c:spPr>
             <a:ln>
-              <a:solidFill>
-                <a:schemeClr val="bg1">
-                  <a:lumMod val="85000"/>
-                </a:schemeClr>
-              </a:solidFill>
+              <a:noFill/>
             </a:ln>
           </c:spPr>
         </c:majorGridlines>
@@ -365,8 +377,8 @@
             <c:manualLayout>
               <c:xMode val="edge"/>
               <c:yMode val="edge"/>
-              <c:x val="3.5307869022196338E-3"/>
-              <c:y val="9.1246863799283165E-2"/>
+              <c:x val="5.4138503739476268E-3"/>
+              <c:y val="0.17677301940467555"/>
             </c:manualLayout>
           </c:layout>
           <c:overlay val="0"/>
@@ -375,7 +387,7 @@
         <c:majorTickMark val="out"/>
         <c:minorTickMark val="none"/>
         <c:tickLblPos val="nextTo"/>
-        <c:crossAx val="79131392"/>
+        <c:crossAx val="20916864"/>
         <c:crossesAt val="1"/>
         <c:crossBetween val="between"/>
         <c:majorUnit val="4000"/>
@@ -3824,6 +3836,55 @@
       </p:grpSpPr>
       <p:sp>
         <p:nvSpPr>
+          <p:cNvPr id="8" name="Rectangle 7"/>
+          <p:cNvSpPr/>
+          <p:nvPr/>
+        </p:nvSpPr>
+        <p:spPr>
+          <a:xfrm>
+            <a:off x="-1" y="4852987"/>
+            <a:ext cx="42808526" cy="2285999"/>
+          </a:xfrm>
+          <a:prstGeom prst="rect">
+            <a:avLst/>
+          </a:prstGeom>
+          <a:solidFill>
+            <a:schemeClr val="bg1">
+              <a:lumMod val="95000"/>
+            </a:schemeClr>
+          </a:solidFill>
+          <a:ln>
+            <a:noFill/>
+          </a:ln>
+          <a:effectLst/>
+        </p:spPr>
+        <p:style>
+          <a:lnRef idx="2">
+            <a:schemeClr val="accent1">
+              <a:shade val="50000"/>
+            </a:schemeClr>
+          </a:lnRef>
+          <a:fillRef idx="1">
+            <a:schemeClr val="accent1"/>
+          </a:fillRef>
+          <a:effectRef idx="0">
+            <a:schemeClr val="accent1"/>
+          </a:effectRef>
+          <a:fontRef idx="minor">
+            <a:schemeClr val="lt1"/>
+          </a:fontRef>
+        </p:style>
+        <p:txBody>
+          <a:bodyPr rtlCol="0" anchor="ctr"/>
+          <a:lstStyle/>
+          <a:p>
+            <a:pPr algn="ctr"/>
+            <a:endParaRPr lang="et-EE"/>
+          </a:p>
+        </p:txBody>
+      </p:sp>
+      <p:sp>
+        <p:nvSpPr>
           <p:cNvPr id="5" name="Rectangle 4"/>
           <p:cNvSpPr/>
           <p:nvPr/>
@@ -3895,7 +3956,7 @@
         </p:blipFill>
         <p:spPr bwMode="auto">
           <a:xfrm>
-            <a:off x="36339462" y="1604961"/>
+            <a:off x="36339462" y="3948112"/>
             <a:ext cx="6972300" cy="4048125"/>
           </a:xfrm>
           <a:prstGeom prst="rect">
@@ -3953,62 +4014,21 @@
                 <a:ea typeface="Open Sans Semibold" panose="020B0706030804020204" pitchFamily="34" charset="0"/>
                 <a:cs typeface="Open Sans Semibold" panose="020B0706030804020204" pitchFamily="34" charset="0"/>
               </a:rPr>
-              <a:t>medical diagnoses</a:t>
+              <a:t>medical </a:t>
+            </a:r>
+            <a:r>
+              <a:rPr lang="et-EE" sz="12000" dirty="0" smtClean="0">
+                <a:latin typeface="Open Sans Semibold" panose="020B0706030804020204" pitchFamily="34" charset="0"/>
+                <a:ea typeface="Open Sans Semibold" panose="020B0706030804020204" pitchFamily="34" charset="0"/>
+                <a:cs typeface="Open Sans Semibold" panose="020B0706030804020204" pitchFamily="34" charset="0"/>
+              </a:rPr>
+              <a:t>diagnoses</a:t>
             </a:r>
             <a:endParaRPr lang="et-EE" sz="12000" dirty="0">
               <a:latin typeface="Open Sans Semibold" panose="020B0706030804020204" pitchFamily="34" charset="0"/>
               <a:ea typeface="Open Sans Semibold" panose="020B0706030804020204" pitchFamily="34" charset="0"/>
               <a:cs typeface="Open Sans Semibold" panose="020B0706030804020204" pitchFamily="34" charset="0"/>
             </a:endParaRPr>
-          </a:p>
-        </p:txBody>
-      </p:sp>
-      <p:sp>
-        <p:nvSpPr>
-          <p:cNvPr id="8" name="Rectangle 7"/>
-          <p:cNvSpPr/>
-          <p:nvPr/>
-        </p:nvSpPr>
-        <p:spPr>
-          <a:xfrm>
-            <a:off x="-1" y="4852987"/>
-            <a:ext cx="42808526" cy="2285999"/>
-          </a:xfrm>
-          <a:prstGeom prst="rect">
-            <a:avLst/>
-          </a:prstGeom>
-          <a:solidFill>
-            <a:schemeClr val="bg1">
-              <a:lumMod val="95000"/>
-            </a:schemeClr>
-          </a:solidFill>
-          <a:ln>
-            <a:noFill/>
-          </a:ln>
-          <a:effectLst/>
-        </p:spPr>
-        <p:style>
-          <a:lnRef idx="2">
-            <a:schemeClr val="accent1">
-              <a:shade val="50000"/>
-            </a:schemeClr>
-          </a:lnRef>
-          <a:fillRef idx="1">
-            <a:schemeClr val="accent1"/>
-          </a:fillRef>
-          <a:effectRef idx="0">
-            <a:schemeClr val="accent1"/>
-          </a:effectRef>
-          <a:fontRef idx="minor">
-            <a:schemeClr val="lt1"/>
-          </a:fontRef>
-        </p:style>
-        <p:txBody>
-          <a:bodyPr rtlCol="0" anchor="ctr"/>
-          <a:lstStyle/>
-          <a:p>
-            <a:pPr algn="ctr"/>
-            <a:endParaRPr lang="et-EE"/>
           </a:p>
         </p:txBody>
       </p:sp>
@@ -4074,7 +4094,7 @@
         </p:blipFill>
         <p:spPr bwMode="auto">
           <a:xfrm>
-            <a:off x="227077" y="2783826"/>
+            <a:off x="322327" y="5203177"/>
             <a:ext cx="8202612" cy="1690393"/>
           </a:xfrm>
           <a:prstGeom prst="rect">
@@ -4131,30 +4151,6 @@
           </a:p>
         </p:txBody>
       </p:sp>
-      <p:graphicFrame>
-        <p:nvGraphicFramePr>
-          <p:cNvPr id="19" name="Chart 18"/>
-          <p:cNvGraphicFramePr>
-            <a:graphicFrameLocks/>
-          </p:cNvGraphicFramePr>
-          <p:nvPr>
-            <p:extLst>
-              <p:ext uri="{D42A27DB-BD31-4B8C-83A1-F6EECF244321}">
-                <p14:modId xmlns:p14="http://schemas.microsoft.com/office/powerpoint/2010/main" val="3217233103"/>
-              </p:ext>
-            </p:extLst>
-          </p:nvPr>
-        </p:nvGraphicFramePr>
-        <p:xfrm>
-          <a:off x="29461332" y="22988587"/>
-          <a:ext cx="12362400" cy="6696000"/>
-        </p:xfrm>
-        <a:graphic>
-          <a:graphicData uri="http://schemas.openxmlformats.org/drawingml/2006/chart">
-            <c:chart xmlns:c="http://schemas.openxmlformats.org/drawingml/2006/chart" xmlns:r="http://schemas.openxmlformats.org/officeDocument/2006/relationships" r:id="rId5"/>
-          </a:graphicData>
-        </a:graphic>
-      </p:graphicFrame>
       <p:grpSp>
         <p:nvGrpSpPr>
           <p:cNvPr id="44" name="Group 43"/>
@@ -4163,10 +4159,10 @@
         </p:nvGrpSpPr>
         <p:grpSpPr>
           <a:xfrm>
-            <a:off x="531879" y="8356984"/>
-            <a:ext cx="13480984" cy="17843909"/>
+            <a:off x="28649678" y="8026836"/>
+            <a:ext cx="13480984" cy="12457820"/>
             <a:chOff x="819274" y="7672387"/>
-            <a:chExt cx="12362404" cy="17843909"/>
+            <a:chExt cx="12362404" cy="12457820"/>
           </a:xfrm>
         </p:grpSpPr>
         <p:sp>
@@ -4197,17 +4193,17 @@
             <a:p>
               <a:pPr algn="ctr"/>
               <a:r>
-                <a:rPr lang="et-EE" sz="7000" dirty="0" smtClean="0">
-                  <a:latin typeface="Open Sans Semibold" panose="020B0706030804020204" pitchFamily="34" charset="0"/>
-                  <a:ea typeface="Open Sans Semibold" panose="020B0706030804020204" pitchFamily="34" charset="0"/>
-                  <a:cs typeface="Open Sans Semibold" panose="020B0706030804020204" pitchFamily="34" charset="0"/>
+                <a:rPr lang="et-EE" sz="7000" b="1" dirty="0" smtClean="0">
+                  <a:latin typeface="Open Sans" panose="020B0606030504020204" pitchFamily="34" charset="0"/>
+                  <a:ea typeface="Open Sans" panose="020B0606030504020204" pitchFamily="34" charset="0"/>
+                  <a:cs typeface="Open Sans" panose="020B0606030504020204" pitchFamily="34" charset="0"/>
                 </a:rPr>
                 <a:t>Data</a:t>
               </a:r>
-              <a:endParaRPr lang="et-EE" sz="7000" dirty="0">
-                <a:latin typeface="Open Sans Semibold" panose="020B0706030804020204" pitchFamily="34" charset="0"/>
-                <a:ea typeface="Open Sans Semibold" panose="020B0706030804020204" pitchFamily="34" charset="0"/>
-                <a:cs typeface="Open Sans Semibold" panose="020B0706030804020204" pitchFamily="34" charset="0"/>
+              <a:endParaRPr lang="et-EE" sz="7000" b="1" dirty="0">
+                <a:latin typeface="Open Sans" panose="020B0606030504020204" pitchFamily="34" charset="0"/>
+                <a:ea typeface="Open Sans" panose="020B0606030504020204" pitchFamily="34" charset="0"/>
+                <a:cs typeface="Open Sans" panose="020B0606030504020204" pitchFamily="34" charset="0"/>
               </a:endParaRPr>
             </a:p>
           </p:txBody>
@@ -4221,7 +4217,387 @@
           <p:spPr>
             <a:xfrm>
               <a:off x="819274" y="9400437"/>
-              <a:ext cx="12362403" cy="16115859"/>
+              <a:ext cx="12362403" cy="10729770"/>
+            </a:xfrm>
+            <a:prstGeom prst="rect">
+              <a:avLst/>
+            </a:prstGeom>
+            <a:noFill/>
+          </p:spPr>
+          <p:txBody>
+            <a:bodyPr wrap="square" lIns="360000" tIns="360000" rIns="360000" bIns="360000" rtlCol="0">
+              <a:spAutoFit/>
+            </a:bodyPr>
+            <a:lstStyle/>
+            <a:p>
+              <a:pPr algn="just"/>
+              <a:r>
+                <a:rPr lang="et-EE" sz="5000" dirty="0" smtClean="0">
+                  <a:latin typeface="Open Sans" panose="020B0606030504020204" pitchFamily="34" charset="0"/>
+                  <a:ea typeface="Open Sans" panose="020B0606030504020204" pitchFamily="34" charset="0"/>
+                  <a:cs typeface="Open Sans" panose="020B0606030504020204" pitchFamily="34" charset="0"/>
+                </a:rPr>
+                <a:t>The input data, consisting of patients’ genders, ages and diagnosis histories, was </a:t>
+              </a:r>
+              <a:r>
+                <a:rPr lang="et-EE" sz="5000" dirty="0" smtClean="0">
+                  <a:latin typeface="Open Sans" panose="020B0606030504020204" pitchFamily="34" charset="0"/>
+                  <a:ea typeface="Open Sans" panose="020B0606030504020204" pitchFamily="34" charset="0"/>
+                  <a:cs typeface="Open Sans" panose="020B0606030504020204" pitchFamily="34" charset="0"/>
+                </a:rPr>
+                <a:t>filtered.</a:t>
+              </a:r>
+              <a:endParaRPr lang="et-EE" sz="5000" dirty="0" smtClean="0">
+                <a:latin typeface="Open Sans" panose="020B0606030504020204" pitchFamily="34" charset="0"/>
+                <a:ea typeface="Open Sans" panose="020B0606030504020204" pitchFamily="34" charset="0"/>
+                <a:cs typeface="Open Sans" panose="020B0606030504020204" pitchFamily="34" charset="0"/>
+              </a:endParaRPr>
+            </a:p>
+            <a:p>
+              <a:pPr algn="just">
+                <a:spcBef>
+                  <a:spcPts val="2000"/>
+                </a:spcBef>
+              </a:pPr>
+              <a:r>
+                <a:rPr lang="et-EE" sz="5000" dirty="0" smtClean="0">
+                  <a:latin typeface="Open Sans" panose="020B0606030504020204" pitchFamily="34" charset="0"/>
+                  <a:ea typeface="Open Sans" panose="020B0606030504020204" pitchFamily="34" charset="0"/>
+                  <a:cs typeface="Open Sans" panose="020B0606030504020204" pitchFamily="34" charset="0"/>
+                </a:rPr>
+                <a:t>Ages were assigned into 8 bins with edges at 0, 20, 30, 40, 50, 60, 70, 80, 100 </a:t>
+              </a:r>
+              <a:r>
+                <a:rPr lang="et-EE" sz="5000" dirty="0" smtClean="0">
+                  <a:latin typeface="Open Sans" panose="020B0606030504020204" pitchFamily="34" charset="0"/>
+                  <a:ea typeface="Open Sans" panose="020B0606030504020204" pitchFamily="34" charset="0"/>
+                  <a:cs typeface="Open Sans" panose="020B0606030504020204" pitchFamily="34" charset="0"/>
+                </a:rPr>
+                <a:t>years.</a:t>
+              </a:r>
+            </a:p>
+            <a:p>
+              <a:pPr algn="just">
+                <a:spcBef>
+                  <a:spcPts val="2000"/>
+                </a:spcBef>
+              </a:pPr>
+              <a:r>
+                <a:rPr lang="et-EE" sz="5000" dirty="0" smtClean="0">
+                  <a:latin typeface="Open Sans" panose="020B0606030504020204" pitchFamily="34" charset="0"/>
+                  <a:ea typeface="Open Sans" panose="020B0606030504020204" pitchFamily="34" charset="0"/>
+                  <a:cs typeface="Open Sans" panose="020B0606030504020204" pitchFamily="34" charset="0"/>
+                </a:rPr>
+                <a:t>The </a:t>
+              </a:r>
+              <a:r>
+                <a:rPr lang="et-EE" sz="5000" dirty="0" smtClean="0">
+                  <a:latin typeface="Open Sans" panose="020B0606030504020204" pitchFamily="34" charset="0"/>
+                  <a:ea typeface="Open Sans" panose="020B0606030504020204" pitchFamily="34" charset="0"/>
+                  <a:cs typeface="Open Sans" panose="020B0606030504020204" pitchFamily="34" charset="0"/>
+                </a:rPr>
+                <a:t>original diagnosis histories, lists of Estonian RHK-10 </a:t>
+              </a:r>
+              <a:r>
+                <a:rPr lang="et-EE" sz="5000" dirty="0" smtClean="0">
+                  <a:latin typeface="Open Sans" panose="020B0606030504020204" pitchFamily="34" charset="0"/>
+                  <a:ea typeface="Open Sans" panose="020B0606030504020204" pitchFamily="34" charset="0"/>
+                  <a:cs typeface="Open Sans" panose="020B0606030504020204" pitchFamily="34" charset="0"/>
+                </a:rPr>
+                <a:t>codes (e.g. ‘G01’), were transformed </a:t>
+              </a:r>
+              <a:r>
+                <a:rPr lang="et-EE" sz="5000" dirty="0" smtClean="0">
+                  <a:latin typeface="Open Sans" panose="020B0606030504020204" pitchFamily="34" charset="0"/>
+                  <a:ea typeface="Open Sans" panose="020B0606030504020204" pitchFamily="34" charset="0"/>
+                  <a:cs typeface="Open Sans" panose="020B0606030504020204" pitchFamily="34" charset="0"/>
+                </a:rPr>
+                <a:t>into </a:t>
+              </a:r>
+              <a:r>
+                <a:rPr lang="et-EE" sz="5000" dirty="0" smtClean="0">
+                  <a:latin typeface="Open Sans" panose="020B0606030504020204" pitchFamily="34" charset="0"/>
+                  <a:ea typeface="Open Sans" panose="020B0606030504020204" pitchFamily="34" charset="0"/>
+                  <a:cs typeface="Open Sans" panose="020B0606030504020204" pitchFamily="34" charset="0"/>
+                </a:rPr>
+                <a:t>binary vectors.</a:t>
+              </a:r>
+              <a:endParaRPr lang="et-EE" sz="5000" dirty="0" smtClean="0">
+                <a:latin typeface="Open Sans" panose="020B0606030504020204" pitchFamily="34" charset="0"/>
+                <a:ea typeface="Open Sans" panose="020B0606030504020204" pitchFamily="34" charset="0"/>
+                <a:cs typeface="Open Sans" panose="020B0606030504020204" pitchFamily="34" charset="0"/>
+              </a:endParaRPr>
+            </a:p>
+            <a:p>
+              <a:pPr algn="just">
+                <a:spcBef>
+                  <a:spcPts val="2000"/>
+                </a:spcBef>
+              </a:pPr>
+              <a:r>
+                <a:rPr lang="et-EE" sz="5000" dirty="0" smtClean="0">
+                  <a:latin typeface="Open Sans" panose="020B0606030504020204" pitchFamily="34" charset="0"/>
+                  <a:ea typeface="Open Sans" panose="020B0606030504020204" pitchFamily="34" charset="0"/>
+                  <a:cs typeface="Open Sans" panose="020B0606030504020204" pitchFamily="34" charset="0"/>
+                </a:rPr>
+                <a:t>After preprocessing, a sample of 48 728 patients was left. This data was partitioned into training (60%), validation (20%) and test (20%) sets.</a:t>
+              </a:r>
+              <a:endParaRPr lang="et-EE" sz="5000" dirty="0">
+                <a:latin typeface="Open Sans" panose="020B0606030504020204" pitchFamily="34" charset="0"/>
+                <a:ea typeface="Open Sans" panose="020B0606030504020204" pitchFamily="34" charset="0"/>
+                <a:cs typeface="Open Sans" panose="020B0606030504020204" pitchFamily="34" charset="0"/>
+              </a:endParaRPr>
+            </a:p>
+          </p:txBody>
+        </p:sp>
+      </p:grpSp>
+      <p:grpSp>
+        <p:nvGrpSpPr>
+          <p:cNvPr id="47" name="Group 46"/>
+          <p:cNvGrpSpPr/>
+          <p:nvPr/>
+        </p:nvGrpSpPr>
+        <p:grpSpPr>
+          <a:xfrm>
+            <a:off x="690695" y="17728889"/>
+            <a:ext cx="13480984" cy="11431898"/>
+            <a:chOff x="819274" y="7672387"/>
+            <a:chExt cx="12362404" cy="11431898"/>
+          </a:xfrm>
+        </p:grpSpPr>
+        <p:sp>
+          <p:nvSpPr>
+            <p:cNvPr id="48" name="TextBox 47"/>
+            <p:cNvSpPr txBox="1"/>
+            <p:nvPr/>
+          </p:nvSpPr>
+          <p:spPr>
+            <a:xfrm>
+              <a:off x="819275" y="7672387"/>
+              <a:ext cx="12362403" cy="1440734"/>
+            </a:xfrm>
+            <a:prstGeom prst="rect">
+              <a:avLst/>
+            </a:prstGeom>
+            <a:solidFill>
+              <a:schemeClr val="bg2">
+                <a:lumMod val="90000"/>
+              </a:schemeClr>
+            </a:solidFill>
+          </p:spPr>
+          <p:txBody>
+            <a:bodyPr wrap="square" lIns="360000" tIns="180000" rIns="360000" bIns="180000" rtlCol="0">
+              <a:spAutoFit/>
+            </a:bodyPr>
+            <a:lstStyle/>
+            <a:p>
+              <a:pPr algn="ctr"/>
+              <a:r>
+                <a:rPr lang="et-EE" sz="7000" b="1" dirty="0" smtClean="0">
+                  <a:latin typeface="Open Sans" panose="020B0606030504020204" pitchFamily="34" charset="0"/>
+                  <a:ea typeface="Open Sans" panose="020B0606030504020204" pitchFamily="34" charset="0"/>
+                  <a:cs typeface="Open Sans" panose="020B0606030504020204" pitchFamily="34" charset="0"/>
+                </a:rPr>
+                <a:t>Methods</a:t>
+              </a:r>
+              <a:endParaRPr lang="et-EE" sz="7000" b="1" dirty="0">
+                <a:latin typeface="Open Sans" panose="020B0606030504020204" pitchFamily="34" charset="0"/>
+                <a:ea typeface="Open Sans" panose="020B0606030504020204" pitchFamily="34" charset="0"/>
+                <a:cs typeface="Open Sans" panose="020B0606030504020204" pitchFamily="34" charset="0"/>
+              </a:endParaRPr>
+            </a:p>
+          </p:txBody>
+        </p:sp>
+        <p:sp>
+          <p:nvSpPr>
+            <p:cNvPr id="49" name="TextBox 48"/>
+            <p:cNvSpPr txBox="1"/>
+            <p:nvPr/>
+          </p:nvSpPr>
+          <p:spPr>
+            <a:xfrm>
+              <a:off x="819274" y="9400437"/>
+              <a:ext cx="12362403" cy="9703848"/>
+            </a:xfrm>
+            <a:prstGeom prst="rect">
+              <a:avLst/>
+            </a:prstGeom>
+            <a:noFill/>
+          </p:spPr>
+          <p:txBody>
+            <a:bodyPr wrap="square" lIns="360000" tIns="360000" rIns="360000" bIns="360000" rtlCol="0">
+              <a:spAutoFit/>
+            </a:bodyPr>
+            <a:lstStyle/>
+            <a:p>
+              <a:pPr algn="just"/>
+              <a:r>
+                <a:rPr lang="et-EE" sz="5000" dirty="0" smtClean="0">
+                  <a:latin typeface="Open Sans" panose="020B0606030504020204" pitchFamily="34" charset="0"/>
+                  <a:ea typeface="Open Sans" panose="020B0606030504020204" pitchFamily="34" charset="0"/>
+                  <a:cs typeface="Open Sans" panose="020B0606030504020204" pitchFamily="34" charset="0"/>
+                </a:rPr>
+                <a:t>Input data was cleansed and preprocessed as explained in section Data.</a:t>
+              </a:r>
+            </a:p>
+            <a:p>
+              <a:pPr algn="just">
+                <a:spcBef>
+                  <a:spcPts val="2000"/>
+                </a:spcBef>
+              </a:pPr>
+              <a:r>
+                <a:rPr lang="et-EE" sz="5000" dirty="0" smtClean="0">
+                  <a:latin typeface="Open Sans" panose="020B0606030504020204" pitchFamily="34" charset="0"/>
+                  <a:ea typeface="Open Sans" panose="020B0606030504020204" pitchFamily="34" charset="0"/>
+                  <a:cs typeface="Open Sans" panose="020B0606030504020204" pitchFamily="34" charset="0"/>
+                </a:rPr>
+                <a:t>Before analysis, </a:t>
+              </a:r>
+              <a:r>
+                <a:rPr lang="et-EE" sz="5000" dirty="0" smtClean="0">
+                  <a:latin typeface="Open Sans" panose="020B0606030504020204" pitchFamily="34" charset="0"/>
+                  <a:ea typeface="Open Sans" panose="020B0606030504020204" pitchFamily="34" charset="0"/>
+                  <a:cs typeface="Open Sans" panose="020B0606030504020204" pitchFamily="34" charset="0"/>
+                </a:rPr>
+                <a:t>PCA </a:t>
+              </a:r>
+              <a:r>
+                <a:rPr lang="et-EE" sz="5000" dirty="0" smtClean="0">
+                  <a:latin typeface="Open Sans" panose="020B0606030504020204" pitchFamily="34" charset="0"/>
+                  <a:ea typeface="Open Sans" panose="020B0606030504020204" pitchFamily="34" charset="0"/>
+                  <a:cs typeface="Open Sans" panose="020B0606030504020204" pitchFamily="34" charset="0"/>
+                </a:rPr>
+                <a:t>was conducted on the diagnoses matrix. </a:t>
+              </a:r>
+              <a:r>
+                <a:rPr lang="et-EE" sz="5000" dirty="0" smtClean="0">
+                  <a:latin typeface="Open Sans" panose="020B0606030504020204" pitchFamily="34" charset="0"/>
+                  <a:ea typeface="Open Sans" panose="020B0606030504020204" pitchFamily="34" charset="0"/>
+                  <a:cs typeface="Open Sans" panose="020B0606030504020204" pitchFamily="34" charset="0"/>
+                </a:rPr>
+                <a:t>The number of principal components was chosen so that the explained variance would be 0.9. This criterion produced a 249-dimensional space, into which the original data was transformed for further analysis.</a:t>
+              </a:r>
+              <a:endParaRPr lang="et-EE" sz="5000" dirty="0">
+                <a:latin typeface="Open Sans" panose="020B0606030504020204" pitchFamily="34" charset="0"/>
+                <a:ea typeface="Open Sans" panose="020B0606030504020204" pitchFamily="34" charset="0"/>
+                <a:cs typeface="Open Sans" panose="020B0606030504020204" pitchFamily="34" charset="0"/>
+              </a:endParaRPr>
+            </a:p>
+            <a:p>
+              <a:pPr algn="just">
+                <a:spcBef>
+                  <a:spcPts val="2000"/>
+                </a:spcBef>
+              </a:pPr>
+              <a:r>
+                <a:rPr lang="et-EE" sz="5000" dirty="0">
+                  <a:latin typeface="Open Sans" panose="020B0606030504020204" pitchFamily="34" charset="0"/>
+                  <a:ea typeface="Open Sans" panose="020B0606030504020204" pitchFamily="34" charset="0"/>
+                  <a:cs typeface="Open Sans" panose="020B0606030504020204" pitchFamily="34" charset="0"/>
+                </a:rPr>
+                <a:t>Software </a:t>
+              </a:r>
+              <a:r>
+                <a:rPr lang="et-EE" sz="5000" dirty="0" smtClean="0">
+                  <a:latin typeface="Open Sans" panose="020B0606030504020204" pitchFamily="34" charset="0"/>
+                  <a:ea typeface="Open Sans" panose="020B0606030504020204" pitchFamily="34" charset="0"/>
+                  <a:cs typeface="Open Sans" panose="020B0606030504020204" pitchFamily="34" charset="0"/>
+                </a:rPr>
+                <a:t>used: </a:t>
+              </a:r>
+              <a:r>
+                <a:rPr lang="et-EE" sz="5000" dirty="0">
+                  <a:latin typeface="Open Sans" panose="020B0606030504020204" pitchFamily="34" charset="0"/>
+                  <a:ea typeface="Open Sans" panose="020B0606030504020204" pitchFamily="34" charset="0"/>
+                  <a:cs typeface="Open Sans" panose="020B0606030504020204" pitchFamily="34" charset="0"/>
+                </a:rPr>
+                <a:t>R; Python with packages Numpy and MDP</a:t>
+              </a:r>
+              <a:r>
+                <a:rPr lang="et-EE" sz="5000" dirty="0" smtClean="0">
+                  <a:latin typeface="Open Sans" panose="020B0606030504020204" pitchFamily="34" charset="0"/>
+                  <a:ea typeface="Open Sans" panose="020B0606030504020204" pitchFamily="34" charset="0"/>
+                  <a:cs typeface="Open Sans" panose="020B0606030504020204" pitchFamily="34" charset="0"/>
+                </a:rPr>
+                <a:t>.</a:t>
+              </a:r>
+              <a:endParaRPr lang="et-EE" sz="5000" dirty="0">
+                <a:latin typeface="Open Sans" panose="020B0606030504020204" pitchFamily="34" charset="0"/>
+                <a:ea typeface="Open Sans" panose="020B0606030504020204" pitchFamily="34" charset="0"/>
+                <a:cs typeface="Open Sans" panose="020B0606030504020204" pitchFamily="34" charset="0"/>
+              </a:endParaRPr>
+            </a:p>
+          </p:txBody>
+        </p:sp>
+      </p:grpSp>
+      <p:grpSp>
+        <p:nvGrpSpPr>
+          <p:cNvPr id="16" name="Group 15"/>
+          <p:cNvGrpSpPr/>
+          <p:nvPr/>
+        </p:nvGrpSpPr>
+        <p:grpSpPr>
+          <a:xfrm>
+            <a:off x="690694" y="8012493"/>
+            <a:ext cx="13480984" cy="9070594"/>
+            <a:chOff x="819274" y="7672387"/>
+            <a:chExt cx="12362404" cy="9070594"/>
+          </a:xfrm>
+        </p:grpSpPr>
+        <p:sp>
+          <p:nvSpPr>
+            <p:cNvPr id="17" name="TextBox 16"/>
+            <p:cNvSpPr txBox="1"/>
+            <p:nvPr/>
+          </p:nvSpPr>
+          <p:spPr>
+            <a:xfrm>
+              <a:off x="819275" y="7672387"/>
+              <a:ext cx="12362403" cy="1440734"/>
+            </a:xfrm>
+            <a:prstGeom prst="rect">
+              <a:avLst/>
+            </a:prstGeom>
+            <a:solidFill>
+              <a:schemeClr val="bg2">
+                <a:lumMod val="90000"/>
+              </a:schemeClr>
+            </a:solidFill>
+          </p:spPr>
+          <p:txBody>
+            <a:bodyPr wrap="square" lIns="360000" tIns="180000" rIns="360000" bIns="180000" rtlCol="0">
+              <a:spAutoFit/>
+            </a:bodyPr>
+            <a:lstStyle/>
+            <a:p>
+              <a:pPr algn="ctr"/>
+              <a:r>
+                <a:rPr lang="et-EE" sz="7000" b="1" dirty="0" smtClean="0">
+                  <a:latin typeface="Open Sans" panose="020B0606030504020204" pitchFamily="34" charset="0"/>
+                  <a:ea typeface="Open Sans" panose="020B0606030504020204" pitchFamily="34" charset="0"/>
+                  <a:cs typeface="Open Sans" panose="020B0606030504020204" pitchFamily="34" charset="0"/>
+                </a:rPr>
+                <a:t>Conclusions</a:t>
+              </a:r>
+              <a:endParaRPr lang="et-EE" sz="7000" b="1" dirty="0">
+                <a:latin typeface="Open Sans" panose="020B0606030504020204" pitchFamily="34" charset="0"/>
+                <a:ea typeface="Open Sans" panose="020B0606030504020204" pitchFamily="34" charset="0"/>
+                <a:cs typeface="Open Sans" panose="020B0606030504020204" pitchFamily="34" charset="0"/>
+              </a:endParaRPr>
+            </a:p>
+          </p:txBody>
+        </p:sp>
+        <p:sp>
+          <p:nvSpPr>
+            <p:cNvPr id="18" name="TextBox 17"/>
+            <p:cNvSpPr txBox="1"/>
+            <p:nvPr/>
+          </p:nvSpPr>
+          <p:spPr>
+            <a:xfrm>
+              <a:off x="819274" y="9603938"/>
+              <a:ext cx="12362403" cy="7139043"/>
             </a:xfrm>
             <a:prstGeom prst="rect">
               <a:avLst/>
@@ -4245,7 +4621,22 @@
                   <a:ea typeface="Open Sans" panose="020B0606030504020204" pitchFamily="34" charset="0"/>
                   <a:cs typeface="Open Sans" panose="020B0606030504020204" pitchFamily="34" charset="0"/>
                 </a:rPr>
-                <a:t>The </a:t>
+                <a:t>The methods tested in this study yielded prediction results better than random. However, the accuracy achieved is too low for useful applications.</a:t>
+              </a:r>
+            </a:p>
+            <a:p>
+              <a:pPr algn="just">
+                <a:spcBef>
+                  <a:spcPts val="2000"/>
+                </a:spcBef>
+              </a:pPr>
+              <a:r>
+                <a:rPr lang="et-EE" sz="5000" dirty="0">
+                  <a:latin typeface="Open Sans" panose="020B0606030504020204" pitchFamily="34" charset="0"/>
+                  <a:ea typeface="Open Sans" panose="020B0606030504020204" pitchFamily="34" charset="0"/>
+                  <a:cs typeface="Open Sans" panose="020B0606030504020204" pitchFamily="34" charset="0"/>
+                </a:rPr>
+                <a:t>R</a:t>
               </a:r>
               <a:r>
                 <a:rPr lang="et-EE" sz="5000" dirty="0" smtClean="0">
@@ -4253,7 +4644,15 @@
                   <a:ea typeface="Open Sans" panose="020B0606030504020204" pitchFamily="34" charset="0"/>
                   <a:cs typeface="Open Sans" panose="020B0606030504020204" pitchFamily="34" charset="0"/>
                 </a:rPr>
-                <a:t>input data, </a:t>
+                <a:t>estricting analysis to patients with at least some amount of diagnoses may improve results. Ensemble and neural network </a:t>
+              </a:r>
+              <a:r>
+                <a:rPr lang="et-EE" sz="5000" dirty="0">
+                  <a:latin typeface="Open Sans" panose="020B0606030504020204" pitchFamily="34" charset="0"/>
+                  <a:ea typeface="Open Sans" panose="020B0606030504020204" pitchFamily="34" charset="0"/>
+                  <a:cs typeface="Open Sans" panose="020B0606030504020204" pitchFamily="34" charset="0"/>
+                </a:rPr>
+                <a:t>methods</a:t>
               </a:r>
               <a:r>
                 <a:rPr lang="et-EE" sz="5000" dirty="0" smtClean="0">
@@ -4261,23 +4660,103 @@
                   <a:ea typeface="Open Sans" panose="020B0606030504020204" pitchFamily="34" charset="0"/>
                   <a:cs typeface="Open Sans" panose="020B0606030504020204" pitchFamily="34" charset="0"/>
                 </a:rPr>
-                <a:t>consisting of patients’ genders, ages and diagnosis histories, was </a:t>
-              </a:r>
-              <a:r>
-                <a:rPr lang="et-EE" sz="5000" dirty="0" smtClean="0">
-                  <a:latin typeface="Open Sans" panose="020B0606030504020204" pitchFamily="34" charset="0"/>
-                  <a:ea typeface="Open Sans" panose="020B0606030504020204" pitchFamily="34" charset="0"/>
-                  <a:cs typeface="Open Sans" panose="020B0606030504020204" pitchFamily="34" charset="0"/>
-                </a:rPr>
-                <a:t>filtered to remove patients with no diagnosis records and patients above the ages of 100</a:t>
-              </a:r>
-              <a:r>
-                <a:rPr lang="et-EE" sz="5000" dirty="0" smtClean="0">
-                  <a:latin typeface="Open Sans" panose="020B0606030504020204" pitchFamily="34" charset="0"/>
-                  <a:ea typeface="Open Sans" panose="020B0606030504020204" pitchFamily="34" charset="0"/>
-                  <a:cs typeface="Open Sans" panose="020B0606030504020204" pitchFamily="34" charset="0"/>
-                </a:rPr>
-                <a:t>.</a:t>
+                <a:t> should be tested as well.</a:t>
+              </a:r>
+            </a:p>
+          </p:txBody>
+        </p:sp>
+      </p:grpSp>
+      <p:grpSp>
+        <p:nvGrpSpPr>
+          <p:cNvPr id="20" name="Group 19"/>
+          <p:cNvGrpSpPr/>
+          <p:nvPr/>
+        </p:nvGrpSpPr>
+        <p:grpSpPr>
+          <a:xfrm>
+            <a:off x="14670185" y="8026836"/>
+            <a:ext cx="13480984" cy="21280748"/>
+            <a:chOff x="819274" y="7672387"/>
+            <a:chExt cx="12362404" cy="21280748"/>
+          </a:xfrm>
+        </p:grpSpPr>
+        <p:sp>
+          <p:nvSpPr>
+            <p:cNvPr id="21" name="TextBox 20"/>
+            <p:cNvSpPr txBox="1"/>
+            <p:nvPr/>
+          </p:nvSpPr>
+          <p:spPr>
+            <a:xfrm>
+              <a:off x="819275" y="7672387"/>
+              <a:ext cx="12362403" cy="1440734"/>
+            </a:xfrm>
+            <a:prstGeom prst="rect">
+              <a:avLst/>
+            </a:prstGeom>
+            <a:solidFill>
+              <a:schemeClr val="bg2">
+                <a:lumMod val="90000"/>
+              </a:schemeClr>
+            </a:solidFill>
+          </p:spPr>
+          <p:txBody>
+            <a:bodyPr wrap="square" lIns="360000" tIns="180000" rIns="360000" bIns="180000" rtlCol="0">
+              <a:spAutoFit/>
+            </a:bodyPr>
+            <a:lstStyle/>
+            <a:p>
+              <a:pPr algn="ctr"/>
+              <a:r>
+                <a:rPr lang="et-EE" sz="7000" b="1" dirty="0" smtClean="0">
+                  <a:latin typeface="Open Sans" panose="020B0606030504020204" pitchFamily="34" charset="0"/>
+                  <a:ea typeface="Open Sans" panose="020B0606030504020204" pitchFamily="34" charset="0"/>
+                  <a:cs typeface="Open Sans" panose="020B0606030504020204" pitchFamily="34" charset="0"/>
+                </a:rPr>
+                <a:t>Results</a:t>
+              </a:r>
+              <a:endParaRPr lang="et-EE" sz="7000" b="1" dirty="0">
+                <a:latin typeface="Open Sans" panose="020B0606030504020204" pitchFamily="34" charset="0"/>
+                <a:ea typeface="Open Sans" panose="020B0606030504020204" pitchFamily="34" charset="0"/>
+                <a:cs typeface="Open Sans" panose="020B0606030504020204" pitchFamily="34" charset="0"/>
+              </a:endParaRPr>
+            </a:p>
+          </p:txBody>
+        </p:sp>
+        <p:sp>
+          <p:nvSpPr>
+            <p:cNvPr id="22" name="TextBox 21"/>
+            <p:cNvSpPr txBox="1"/>
+            <p:nvPr/>
+          </p:nvSpPr>
+          <p:spPr>
+            <a:xfrm>
+              <a:off x="819274" y="9400437"/>
+              <a:ext cx="12362403" cy="19552698"/>
+            </a:xfrm>
+            <a:prstGeom prst="rect">
+              <a:avLst/>
+            </a:prstGeom>
+            <a:noFill/>
+          </p:spPr>
+          <p:txBody>
+            <a:bodyPr wrap="square" lIns="360000" tIns="360000" rIns="360000" bIns="360000" rtlCol="0">
+              <a:spAutoFit/>
+            </a:bodyPr>
+            <a:lstStyle/>
+            <a:p>
+              <a:pPr algn="just">
+                <a:spcAft>
+                  <a:spcPts val="2000"/>
+                </a:spcAft>
+              </a:pPr>
+              <a:r>
+                <a:rPr lang="et-EE" sz="7000" dirty="0">
+                  <a:latin typeface="Open Sans Semibold" panose="020B0706030804020204" pitchFamily="34" charset="0"/>
+                  <a:ea typeface="Open Sans Semibold" panose="020B0706030804020204" pitchFamily="34" charset="0"/>
+                  <a:cs typeface="Open Sans Semibold" panose="020B0706030804020204" pitchFamily="34" charset="0"/>
+                </a:rPr>
+                <a:t>Predicting gender</a:t>
               </a:r>
             </a:p>
             <a:p>
@@ -4288,7 +4767,184 @@
                   <a:ea typeface="Open Sans" panose="020B0606030504020204" pitchFamily="34" charset="0"/>
                   <a:cs typeface="Open Sans" panose="020B0606030504020204" pitchFamily="34" charset="0"/>
                 </a:rPr>
-                <a:t>Ages were assigned into 8 bins with edges at 0, 20, 30, 40, 50, 60, 70, 80, 100 years. This produced  bins containing 2000-7000 examples.</a:t>
+                <a:t>An extensive parameter probe was conducted on SVMs with linear and RBF kernels. Comparing models using validation set accuracy, the best model was selected.</a:t>
+              </a:r>
+            </a:p>
+            <a:p>
+              <a:pPr algn="just">
+                <a:spcBef>
+                  <a:spcPts val="2000"/>
+                </a:spcBef>
+              </a:pPr>
+              <a:r>
+                <a:rPr lang="et-EE" sz="5000" dirty="0" smtClean="0">
+                  <a:latin typeface="Open Sans" panose="020B0606030504020204" pitchFamily="34" charset="0"/>
+                  <a:ea typeface="Open Sans" panose="020B0606030504020204" pitchFamily="34" charset="0"/>
+                  <a:cs typeface="Open Sans" panose="020B0606030504020204" pitchFamily="34" charset="0"/>
+                </a:rPr>
+                <a:t>The best model (which used an RBF kernel) yielded a test set accuracy of </a:t>
+              </a:r>
+              <a:r>
+                <a:rPr lang="et-EE" sz="5000" b="1" dirty="0" smtClean="0">
+                  <a:latin typeface="Open Sans" panose="020B0606030504020204" pitchFamily="34" charset="0"/>
+                  <a:ea typeface="Open Sans" panose="020B0606030504020204" pitchFamily="34" charset="0"/>
+                  <a:cs typeface="Open Sans" panose="020B0606030504020204" pitchFamily="34" charset="0"/>
+                </a:rPr>
+                <a:t>69.6%</a:t>
+              </a:r>
+              <a:r>
+                <a:rPr lang="et-EE" sz="5000" dirty="0" smtClean="0">
+                  <a:latin typeface="Open Sans" panose="020B0606030504020204" pitchFamily="34" charset="0"/>
+                  <a:ea typeface="Open Sans" panose="020B0606030504020204" pitchFamily="34" charset="0"/>
+                  <a:cs typeface="Open Sans" panose="020B0606030504020204" pitchFamily="34" charset="0"/>
+                </a:rPr>
+                <a:t>, compared to a naive prediction accuracy of 56.0%. </a:t>
+              </a:r>
+              <a:r>
+                <a:rPr lang="et-EE" sz="5000" dirty="0">
+                  <a:latin typeface="Open Sans" panose="020B0606030504020204" pitchFamily="34" charset="0"/>
+                  <a:ea typeface="Open Sans" panose="020B0606030504020204" pitchFamily="34" charset="0"/>
+                  <a:cs typeface="Open Sans" panose="020B0606030504020204" pitchFamily="34" charset="0"/>
+                </a:rPr>
+                <a:t>The amount of training data </a:t>
+              </a:r>
+              <a:r>
+                <a:rPr lang="et-EE" sz="5000" dirty="0" smtClean="0">
+                  <a:latin typeface="Open Sans" panose="020B0606030504020204" pitchFamily="34" charset="0"/>
+                  <a:ea typeface="Open Sans" panose="020B0606030504020204" pitchFamily="34" charset="0"/>
+                  <a:cs typeface="Open Sans" panose="020B0606030504020204" pitchFamily="34" charset="0"/>
+                </a:rPr>
+                <a:t>used had </a:t>
+              </a:r>
+              <a:r>
+                <a:rPr lang="et-EE" sz="5000" dirty="0">
+                  <a:latin typeface="Open Sans" panose="020B0606030504020204" pitchFamily="34" charset="0"/>
+                  <a:ea typeface="Open Sans" panose="020B0606030504020204" pitchFamily="34" charset="0"/>
+                  <a:cs typeface="Open Sans" panose="020B0606030504020204" pitchFamily="34" charset="0"/>
+                </a:rPr>
+                <a:t>a small effect on the accuracy</a:t>
+              </a:r>
+              <a:r>
+                <a:rPr lang="et-EE" sz="5000" dirty="0" smtClean="0">
+                  <a:latin typeface="Open Sans" panose="020B0606030504020204" pitchFamily="34" charset="0"/>
+                  <a:ea typeface="Open Sans" panose="020B0606030504020204" pitchFamily="34" charset="0"/>
+                  <a:cs typeface="Open Sans" panose="020B0606030504020204" pitchFamily="34" charset="0"/>
+                </a:rPr>
+                <a:t>.</a:t>
+              </a:r>
+              <a:endParaRPr lang="et-EE" sz="5000" dirty="0">
+                <a:latin typeface="Open Sans" panose="020B0606030504020204" pitchFamily="34" charset="0"/>
+                <a:ea typeface="Open Sans" panose="020B0606030504020204" pitchFamily="34" charset="0"/>
+                <a:cs typeface="Open Sans" panose="020B0606030504020204" pitchFamily="34" charset="0"/>
+              </a:endParaRPr>
+            </a:p>
+            <a:p>
+              <a:pPr algn="just">
+                <a:spcBef>
+                  <a:spcPts val="6000"/>
+                </a:spcBef>
+                <a:spcAft>
+                  <a:spcPts val="2000"/>
+                </a:spcAft>
+              </a:pPr>
+              <a:r>
+                <a:rPr lang="et-EE" sz="7000" dirty="0" smtClean="0">
+                  <a:latin typeface="Open Sans Semibold" panose="020B0706030804020204" pitchFamily="34" charset="0"/>
+                  <a:ea typeface="Open Sans Semibold" panose="020B0706030804020204" pitchFamily="34" charset="0"/>
+                  <a:cs typeface="Open Sans Semibold" panose="020B0706030804020204" pitchFamily="34" charset="0"/>
+                </a:rPr>
+                <a:t>Predicting age</a:t>
+              </a:r>
+            </a:p>
+            <a:p>
+              <a:pPr algn="just"/>
+              <a:r>
+                <a:rPr lang="en-US" sz="5000" dirty="0">
+                  <a:latin typeface="Open Sans" panose="020B0606030504020204" pitchFamily="34" charset="0"/>
+                  <a:ea typeface="Open Sans" panose="020B0606030504020204" pitchFamily="34" charset="0"/>
+                  <a:cs typeface="Open Sans" panose="020B0606030504020204" pitchFamily="34" charset="0"/>
+                </a:rPr>
+                <a:t>Three different methods were </a:t>
+              </a:r>
+              <a:r>
+                <a:rPr lang="en-US" sz="5000" dirty="0" smtClean="0">
+                  <a:latin typeface="Open Sans" panose="020B0606030504020204" pitchFamily="34" charset="0"/>
+                  <a:ea typeface="Open Sans" panose="020B0606030504020204" pitchFamily="34" charset="0"/>
+                  <a:cs typeface="Open Sans" panose="020B0606030504020204" pitchFamily="34" charset="0"/>
+                </a:rPr>
+                <a:t>tested</a:t>
+              </a:r>
+              <a:r>
+                <a:rPr lang="et-EE" sz="5000" dirty="0" smtClean="0">
+                  <a:latin typeface="Open Sans" panose="020B0606030504020204" pitchFamily="34" charset="0"/>
+                  <a:ea typeface="Open Sans" panose="020B0606030504020204" pitchFamily="34" charset="0"/>
+                  <a:cs typeface="Open Sans" panose="020B0606030504020204" pitchFamily="34" charset="0"/>
+                </a:rPr>
+                <a:t>: </a:t>
+              </a:r>
+              <a:r>
+                <a:rPr lang="en-US" sz="5000" dirty="0" smtClean="0">
+                  <a:latin typeface="Open Sans" panose="020B0606030504020204" pitchFamily="34" charset="0"/>
+                  <a:ea typeface="Open Sans" panose="020B0606030504020204" pitchFamily="34" charset="0"/>
+                  <a:cs typeface="Open Sans" panose="020B0606030504020204" pitchFamily="34" charset="0"/>
+                </a:rPr>
+                <a:t>SVM</a:t>
+              </a:r>
+              <a:r>
+                <a:rPr lang="et-EE" sz="5000" dirty="0" smtClean="0">
+                  <a:latin typeface="Open Sans" panose="020B0606030504020204" pitchFamily="34" charset="0"/>
+                  <a:ea typeface="Open Sans" panose="020B0606030504020204" pitchFamily="34" charset="0"/>
+                  <a:cs typeface="Open Sans" panose="020B0606030504020204" pitchFamily="34" charset="0"/>
+                </a:rPr>
+                <a:t>s</a:t>
+              </a:r>
+              <a:r>
+                <a:rPr lang="en-US" sz="5000" dirty="0" smtClean="0">
+                  <a:latin typeface="Open Sans" panose="020B0606030504020204" pitchFamily="34" charset="0"/>
+                  <a:ea typeface="Open Sans" panose="020B0606030504020204" pitchFamily="34" charset="0"/>
+                  <a:cs typeface="Open Sans" panose="020B0606030504020204" pitchFamily="34" charset="0"/>
+                </a:rPr>
+                <a:t>,</a:t>
+              </a:r>
+              <a:r>
+                <a:rPr lang="et-EE" sz="5000" dirty="0" smtClean="0">
+                  <a:latin typeface="Open Sans" panose="020B0606030504020204" pitchFamily="34" charset="0"/>
+                  <a:ea typeface="Open Sans" panose="020B0606030504020204" pitchFamily="34" charset="0"/>
+                  <a:cs typeface="Open Sans" panose="020B0606030504020204" pitchFamily="34" charset="0"/>
+                </a:rPr>
+                <a:t> </a:t>
+              </a:r>
+              <a:r>
+                <a:rPr lang="en-US" sz="5000" dirty="0" smtClean="0">
+                  <a:latin typeface="Open Sans" panose="020B0606030504020204" pitchFamily="34" charset="0"/>
+                  <a:ea typeface="Open Sans" panose="020B0606030504020204" pitchFamily="34" charset="0"/>
+                  <a:cs typeface="Open Sans" panose="020B0606030504020204" pitchFamily="34" charset="0"/>
+                </a:rPr>
+                <a:t>DB</a:t>
+              </a:r>
+              <a:r>
+                <a:rPr lang="et-EE" sz="5000" dirty="0" smtClean="0">
+                  <a:latin typeface="Open Sans" panose="020B0606030504020204" pitchFamily="34" charset="0"/>
+                  <a:ea typeface="Open Sans" panose="020B0606030504020204" pitchFamily="34" charset="0"/>
+                  <a:cs typeface="Open Sans" panose="020B0606030504020204" pitchFamily="34" charset="0"/>
+                </a:rPr>
+                <a:t>SCAN and </a:t>
+              </a:r>
+              <a:r>
+                <a:rPr lang="et-EE" sz="5000" dirty="0">
+                  <a:latin typeface="Open Sans" panose="020B0606030504020204" pitchFamily="34" charset="0"/>
+                  <a:ea typeface="Open Sans" panose="020B0606030504020204" pitchFamily="34" charset="0"/>
+                  <a:cs typeface="Open Sans" panose="020B0606030504020204" pitchFamily="34" charset="0"/>
+                </a:rPr>
+                <a:t>SV</a:t>
+              </a:r>
+              <a:r>
+                <a:rPr lang="en-US" sz="5000" dirty="0" smtClean="0">
+                  <a:latin typeface="Open Sans" panose="020B0606030504020204" pitchFamily="34" charset="0"/>
+                  <a:ea typeface="Open Sans" panose="020B0606030504020204" pitchFamily="34" charset="0"/>
+                  <a:cs typeface="Open Sans" panose="020B0606030504020204" pitchFamily="34" charset="0"/>
+                </a:rPr>
+                <a:t>-regression.</a:t>
               </a:r>
               <a:endParaRPr lang="et-EE" sz="5000" dirty="0" smtClean="0">
                 <a:latin typeface="Open Sans" panose="020B0606030504020204" pitchFamily="34" charset="0"/>
@@ -4297,14 +4953,58 @@
               </a:endParaRPr>
             </a:p>
             <a:p>
-              <a:pPr algn="just"/>
+              <a:pPr algn="just">
+                <a:spcBef>
+                  <a:spcPts val="2000"/>
+                </a:spcBef>
+              </a:pPr>
+              <a:r>
+                <a:rPr lang="en-US" sz="5000" dirty="0" smtClean="0">
+                  <a:latin typeface="Open Sans" panose="020B0606030504020204" pitchFamily="34" charset="0"/>
+                  <a:ea typeface="Open Sans" panose="020B0606030504020204" pitchFamily="34" charset="0"/>
+                  <a:cs typeface="Open Sans" panose="020B0606030504020204" pitchFamily="34" charset="0"/>
+                </a:rPr>
+                <a:t>SVM </a:t>
+              </a:r>
+              <a:r>
+                <a:rPr lang="en-US" sz="5000" dirty="0">
+                  <a:latin typeface="Open Sans" panose="020B0606030504020204" pitchFamily="34" charset="0"/>
+                  <a:ea typeface="Open Sans" panose="020B0606030504020204" pitchFamily="34" charset="0"/>
+                  <a:cs typeface="Open Sans" panose="020B0606030504020204" pitchFamily="34" charset="0"/>
+                </a:rPr>
+                <a:t>produced near-random </a:t>
+              </a:r>
+              <a:r>
+                <a:rPr lang="en-US" sz="5000" dirty="0" smtClean="0">
+                  <a:latin typeface="Open Sans" panose="020B0606030504020204" pitchFamily="34" charset="0"/>
+                  <a:ea typeface="Open Sans" panose="020B0606030504020204" pitchFamily="34" charset="0"/>
+                  <a:cs typeface="Open Sans" panose="020B0606030504020204" pitchFamily="34" charset="0"/>
+                </a:rPr>
+                <a:t>results</a:t>
+              </a:r>
               <a:r>
                 <a:rPr lang="et-EE" sz="5000" dirty="0" smtClean="0">
                   <a:latin typeface="Open Sans" panose="020B0606030504020204" pitchFamily="34" charset="0"/>
                   <a:ea typeface="Open Sans" panose="020B0606030504020204" pitchFamily="34" charset="0"/>
                   <a:cs typeface="Open Sans" panose="020B0606030504020204" pitchFamily="34" charset="0"/>
                 </a:rPr>
-                <a:t>The </a:t>
+                <a:t> that were not affected</a:t>
+              </a:r>
+              <a:r>
+                <a:rPr lang="en-US" sz="5000" dirty="0" smtClean="0">
+                  <a:latin typeface="Open Sans" panose="020B0606030504020204" pitchFamily="34" charset="0"/>
+                  <a:ea typeface="Open Sans" panose="020B0606030504020204" pitchFamily="34" charset="0"/>
+                  <a:cs typeface="Open Sans" panose="020B0606030504020204" pitchFamily="34" charset="0"/>
+                </a:rPr>
+                <a:t> </a:t>
+              </a:r>
+              <a:r>
+                <a:rPr lang="en-US" sz="5000" dirty="0">
+                  <a:latin typeface="Open Sans" panose="020B0606030504020204" pitchFamily="34" charset="0"/>
+                  <a:ea typeface="Open Sans" panose="020B0606030504020204" pitchFamily="34" charset="0"/>
+                  <a:cs typeface="Open Sans" panose="020B0606030504020204" pitchFamily="34" charset="0"/>
+                </a:rPr>
+                <a:t>by </a:t>
               </a:r>
               <a:r>
                 <a:rPr lang="et-EE" sz="5000" dirty="0" smtClean="0">
@@ -4312,7 +5012,47 @@
                   <a:ea typeface="Open Sans" panose="020B0606030504020204" pitchFamily="34" charset="0"/>
                   <a:cs typeface="Open Sans" panose="020B0606030504020204" pitchFamily="34" charset="0"/>
                 </a:rPr>
-                <a:t>original diagnosis histories, given </a:t>
+                <a:t>choice of</a:t>
+              </a:r>
+              <a:r>
+                <a:rPr lang="en-US" sz="5000" dirty="0" smtClean="0">
+                  <a:latin typeface="Open Sans" panose="020B0606030504020204" pitchFamily="34" charset="0"/>
+                  <a:ea typeface="Open Sans" panose="020B0606030504020204" pitchFamily="34" charset="0"/>
+                  <a:cs typeface="Open Sans" panose="020B0606030504020204" pitchFamily="34" charset="0"/>
+                </a:rPr>
+                <a:t> </a:t>
+              </a:r>
+              <a:r>
+                <a:rPr lang="en-US" sz="5000" dirty="0">
+                  <a:latin typeface="Open Sans" panose="020B0606030504020204" pitchFamily="34" charset="0"/>
+                  <a:ea typeface="Open Sans" panose="020B0606030504020204" pitchFamily="34" charset="0"/>
+                  <a:cs typeface="Open Sans" panose="020B0606030504020204" pitchFamily="34" charset="0"/>
+                </a:rPr>
+                <a:t>kernel </a:t>
+              </a:r>
+              <a:r>
+                <a:rPr lang="en-US" sz="5000" dirty="0" smtClean="0">
+                  <a:latin typeface="Open Sans" panose="020B0606030504020204" pitchFamily="34" charset="0"/>
+                  <a:ea typeface="Open Sans" panose="020B0606030504020204" pitchFamily="34" charset="0"/>
+                  <a:cs typeface="Open Sans" panose="020B0606030504020204" pitchFamily="34" charset="0"/>
+                </a:rPr>
+                <a:t>or parameters</a:t>
+              </a:r>
+              <a:r>
+                <a:rPr lang="en-US" sz="5000" dirty="0">
+                  <a:latin typeface="Open Sans" panose="020B0606030504020204" pitchFamily="34" charset="0"/>
+                  <a:ea typeface="Open Sans" panose="020B0606030504020204" pitchFamily="34" charset="0"/>
+                  <a:cs typeface="Open Sans" panose="020B0606030504020204" pitchFamily="34" charset="0"/>
+                </a:rPr>
+                <a:t>. </a:t>
+              </a:r>
+              <a:r>
+                <a:rPr lang="en-US" sz="5000" dirty="0" smtClean="0">
+                  <a:latin typeface="Open Sans" panose="020B0606030504020204" pitchFamily="34" charset="0"/>
+                  <a:ea typeface="Open Sans" panose="020B0606030504020204" pitchFamily="34" charset="0"/>
+                  <a:cs typeface="Open Sans" panose="020B0606030504020204" pitchFamily="34" charset="0"/>
+                </a:rPr>
+                <a:t>DBS</a:t>
               </a:r>
               <a:r>
                 <a:rPr lang="et-EE" sz="5000" dirty="0" smtClean="0">
@@ -4320,7 +5060,15 @@
                   <a:ea typeface="Open Sans" panose="020B0606030504020204" pitchFamily="34" charset="0"/>
                   <a:cs typeface="Open Sans" panose="020B0606030504020204" pitchFamily="34" charset="0"/>
                 </a:rPr>
-                <a:t>as lists of </a:t>
+                <a:t>CAN</a:t>
+              </a:r>
+              <a:r>
+                <a:rPr lang="en-US" sz="5000" dirty="0" smtClean="0">
+                  <a:latin typeface="Open Sans" panose="020B0606030504020204" pitchFamily="34" charset="0"/>
+                  <a:ea typeface="Open Sans" panose="020B0606030504020204" pitchFamily="34" charset="0"/>
+                  <a:cs typeface="Open Sans" panose="020B0606030504020204" pitchFamily="34" charset="0"/>
+                </a:rPr>
+                <a:t> </a:t>
               </a:r>
               <a:r>
                 <a:rPr lang="et-EE" sz="5000" dirty="0" smtClean="0">
@@ -4328,42 +5076,91 @@
                   <a:ea typeface="Open Sans" panose="020B0606030504020204" pitchFamily="34" charset="0"/>
                   <a:cs typeface="Open Sans" panose="020B0606030504020204" pitchFamily="34" charset="0"/>
                 </a:rPr>
-                <a:t>Estonian RHK-10 codes, were binned by removing one level of specificity from the codes (e.g. </a:t>
-              </a:r>
-              <a:r>
-                <a:rPr lang="et-EE" sz="5000" dirty="0" smtClean="0">
-                  <a:latin typeface="Open Sans" panose="020B0606030504020204" pitchFamily="34" charset="0"/>
-                  <a:ea typeface="Open Sans" panose="020B0606030504020204" pitchFamily="34" charset="0"/>
-                  <a:cs typeface="Open Sans" panose="020B0606030504020204" pitchFamily="34" charset="0"/>
-                </a:rPr>
-                <a:t>‘G01.8’ </a:t>
-              </a:r>
-              <a:r>
-                <a:rPr lang="et-EE" sz="5000" dirty="0" smtClean="0">
-                  <a:latin typeface="Open Sans" panose="020B0606030504020204" pitchFamily="34" charset="0"/>
-                  <a:ea typeface="Open Sans" panose="020B0606030504020204" pitchFamily="34" charset="0"/>
-                  <a:cs typeface="Open Sans" panose="020B0606030504020204" pitchFamily="34" charset="0"/>
-                </a:rPr>
-                <a:t>was mapped </a:t>
-              </a:r>
-              <a:r>
-                <a:rPr lang="et-EE" sz="5000" dirty="0" smtClean="0">
-                  <a:latin typeface="Open Sans" panose="020B0606030504020204" pitchFamily="34" charset="0"/>
-                  <a:ea typeface="Open Sans" panose="020B0606030504020204" pitchFamily="34" charset="0"/>
-                  <a:cs typeface="Open Sans" panose="020B0606030504020204" pitchFamily="34" charset="0"/>
-                </a:rPr>
-                <a:t>to ‘G01’), and transformed into a binary vector discarding the number of times each diagnosis occurred.</a:t>
-              </a:r>
+                <a:t>only </a:t>
+              </a:r>
+              <a:r>
+                <a:rPr lang="en-US" sz="5000" dirty="0" smtClean="0">
+                  <a:latin typeface="Open Sans" panose="020B0606030504020204" pitchFamily="34" charset="0"/>
+                  <a:ea typeface="Open Sans" panose="020B0606030504020204" pitchFamily="34" charset="0"/>
+                  <a:cs typeface="Open Sans" panose="020B0606030504020204" pitchFamily="34" charset="0"/>
+                </a:rPr>
+                <a:t>found </a:t>
+              </a:r>
+              <a:r>
+                <a:rPr lang="en-US" sz="5000" dirty="0">
+                  <a:latin typeface="Open Sans" panose="020B0606030504020204" pitchFamily="34" charset="0"/>
+                  <a:ea typeface="Open Sans" panose="020B0606030504020204" pitchFamily="34" charset="0"/>
+                  <a:cs typeface="Open Sans" panose="020B0606030504020204" pitchFamily="34" charset="0"/>
+                </a:rPr>
+                <a:t>two clusters out of the expected </a:t>
+              </a:r>
+              <a:r>
+                <a:rPr lang="en-US" sz="5000" dirty="0" smtClean="0">
+                  <a:latin typeface="Open Sans" panose="020B0606030504020204" pitchFamily="34" charset="0"/>
+                  <a:ea typeface="Open Sans" panose="020B0606030504020204" pitchFamily="34" charset="0"/>
+                  <a:cs typeface="Open Sans" panose="020B0606030504020204" pitchFamily="34" charset="0"/>
+                </a:rPr>
+                <a:t>8.</a:t>
+              </a:r>
+              <a:endParaRPr lang="et-EE" sz="5000" dirty="0" smtClean="0">
+                <a:latin typeface="Open Sans" panose="020B0606030504020204" pitchFamily="34" charset="0"/>
+                <a:ea typeface="Open Sans" panose="020B0606030504020204" pitchFamily="34" charset="0"/>
+                <a:cs typeface="Open Sans" panose="020B0606030504020204" pitchFamily="34" charset="0"/>
+              </a:endParaRPr>
             </a:p>
             <a:p>
-              <a:pPr algn="just"/>
+              <a:pPr algn="just">
+                <a:spcBef>
+                  <a:spcPts val="2000"/>
+                </a:spcBef>
+              </a:pPr>
               <a:r>
                 <a:rPr lang="et-EE" sz="5000" dirty="0" smtClean="0">
                   <a:latin typeface="Open Sans" panose="020B0606030504020204" pitchFamily="34" charset="0"/>
                   <a:ea typeface="Open Sans" panose="020B0606030504020204" pitchFamily="34" charset="0"/>
                   <a:cs typeface="Open Sans" panose="020B0606030504020204" pitchFamily="34" charset="0"/>
                 </a:rPr>
-                <a:t>After preprocessing, a sample of 48 728 patients was left. This data was partitioned into training (60%), validation (20%) and test (20%) sets.</a:t>
+                <a:t>SV</a:t>
+              </a:r>
+              <a:r>
+                <a:rPr lang="en-US" sz="5000" dirty="0" smtClean="0">
+                  <a:latin typeface="Open Sans" panose="020B0606030504020204" pitchFamily="34" charset="0"/>
+                  <a:ea typeface="Open Sans" panose="020B0606030504020204" pitchFamily="34" charset="0"/>
+                  <a:cs typeface="Open Sans" panose="020B0606030504020204" pitchFamily="34" charset="0"/>
+                </a:rPr>
+                <a:t>-regression</a:t>
+              </a:r>
+              <a:r>
+                <a:rPr lang="et-EE" sz="5000" dirty="0" smtClean="0">
+                  <a:latin typeface="Open Sans" panose="020B0606030504020204" pitchFamily="34" charset="0"/>
+                  <a:ea typeface="Open Sans" panose="020B0606030504020204" pitchFamily="34" charset="0"/>
+                  <a:cs typeface="Open Sans" panose="020B0606030504020204" pitchFamily="34" charset="0"/>
+                </a:rPr>
+                <a:t> achieved a test set accuracy of </a:t>
+              </a:r>
+              <a:r>
+                <a:rPr lang="en-US" sz="5000" b="1" dirty="0" smtClean="0">
+                  <a:latin typeface="Open Sans" panose="020B0606030504020204" pitchFamily="34" charset="0"/>
+                  <a:ea typeface="Open Sans" panose="020B0606030504020204" pitchFamily="34" charset="0"/>
+                  <a:cs typeface="Open Sans" panose="020B0606030504020204" pitchFamily="34" charset="0"/>
+                </a:rPr>
+                <a:t>35%</a:t>
+              </a:r>
+              <a:r>
+                <a:rPr lang="et-EE" sz="5000" dirty="0">
+                  <a:latin typeface="Open Sans" panose="020B0606030504020204" pitchFamily="34" charset="0"/>
+                  <a:ea typeface="Open Sans" panose="020B0606030504020204" pitchFamily="34" charset="0"/>
+                  <a:cs typeface="Open Sans" panose="020B0606030504020204" pitchFamily="34" charset="0"/>
+                </a:rPr>
+                <a:t> </a:t>
+              </a:r>
+              <a:r>
+                <a:rPr lang="et-EE" sz="5000" dirty="0" smtClean="0">
+                  <a:latin typeface="Open Sans" panose="020B0606030504020204" pitchFamily="34" charset="0"/>
+                  <a:ea typeface="Open Sans" panose="020B0606030504020204" pitchFamily="34" charset="0"/>
+                  <a:cs typeface="Open Sans" panose="020B0606030504020204" pitchFamily="34" charset="0"/>
+                </a:rPr>
+                <a:t>compared to a naive prediction accuracy of 23%.</a:t>
               </a:r>
               <a:endParaRPr lang="et-EE" sz="5000" dirty="0">
                 <a:latin typeface="Open Sans" panose="020B0606030504020204" pitchFamily="34" charset="0"/>
@@ -4374,6 +5171,84 @@
           </p:txBody>
         </p:sp>
       </p:grpSp>
+      <p:graphicFrame>
+        <p:nvGraphicFramePr>
+          <p:cNvPr id="23" name="Chart 22"/>
+          <p:cNvGraphicFramePr>
+            <a:graphicFrameLocks/>
+          </p:cNvGraphicFramePr>
+          <p:nvPr>
+            <p:extLst>
+              <p:ext uri="{D42A27DB-BD31-4B8C-83A1-F6EECF244321}">
+                <p14:modId xmlns:p14="http://schemas.microsoft.com/office/powerpoint/2010/main" val="1945076939"/>
+              </p:ext>
+            </p:extLst>
+          </p:nvPr>
+        </p:nvGraphicFramePr>
+        <p:xfrm>
+          <a:off x="28649679" y="20397787"/>
+          <a:ext cx="13488921" cy="7276133"/>
+        </p:xfrm>
+        <a:graphic>
+          <a:graphicData uri="http://schemas.openxmlformats.org/drawingml/2006/chart">
+            <c:chart xmlns:c="http://schemas.openxmlformats.org/drawingml/2006/chart" xmlns:r="http://schemas.openxmlformats.org/officeDocument/2006/relationships" r:id="rId5"/>
+          </a:graphicData>
+        </a:graphic>
+      </p:graphicFrame>
+      <p:sp>
+        <p:nvSpPr>
+          <p:cNvPr id="2" name="TextBox 1"/>
+          <p:cNvSpPr txBox="1"/>
+          <p:nvPr/>
+        </p:nvSpPr>
+        <p:spPr>
+          <a:xfrm>
+            <a:off x="28649679" y="27675768"/>
+            <a:ext cx="13480984" cy="1169551"/>
+          </a:xfrm>
+          <a:prstGeom prst="rect">
+            <a:avLst/>
+          </a:prstGeom>
+          <a:noFill/>
+        </p:spPr>
+        <p:txBody>
+          <a:bodyPr wrap="square" rtlCol="0">
+            <a:spAutoFit/>
+          </a:bodyPr>
+          <a:lstStyle/>
+          <a:p>
+            <a:r>
+              <a:rPr lang="et-EE" sz="3500" b="1" dirty="0" smtClean="0">
+                <a:latin typeface="Open Sans" panose="020B0606030504020204" pitchFamily="34" charset="0"/>
+                <a:ea typeface="Open Sans" panose="020B0606030504020204" pitchFamily="34" charset="0"/>
+                <a:cs typeface="Open Sans" panose="020B0606030504020204" pitchFamily="34" charset="0"/>
+              </a:rPr>
+              <a:t>Figure 1</a:t>
+            </a:r>
+            <a:r>
+              <a:rPr lang="et-EE" sz="3500" b="1" dirty="0">
+                <a:latin typeface="Open Sans" panose="020B0606030504020204" pitchFamily="34" charset="0"/>
+                <a:ea typeface="Open Sans" panose="020B0606030504020204" pitchFamily="34" charset="0"/>
+                <a:cs typeface="Open Sans" panose="020B0606030504020204" pitchFamily="34" charset="0"/>
+              </a:rPr>
+              <a:t>.</a:t>
+            </a:r>
+            <a:r>
+              <a:rPr lang="et-EE" sz="3500" dirty="0" smtClean="0">
+                <a:latin typeface="Open Sans" panose="020B0606030504020204" pitchFamily="34" charset="0"/>
+                <a:ea typeface="Open Sans" panose="020B0606030504020204" pitchFamily="34" charset="0"/>
+                <a:cs typeface="Open Sans" panose="020B0606030504020204" pitchFamily="34" charset="0"/>
+              </a:rPr>
+              <a:t> Distribution of diagnosis counts among patients after filtering and preprocessing.</a:t>
+            </a:r>
+            <a:endParaRPr lang="et-EE" sz="3500" dirty="0">
+              <a:latin typeface="Open Sans" panose="020B0606030504020204" pitchFamily="34" charset="0"/>
+              <a:ea typeface="Open Sans" panose="020B0606030504020204" pitchFamily="34" charset="0"/>
+              <a:cs typeface="Open Sans" panose="020B0606030504020204" pitchFamily="34" charset="0"/>
+            </a:endParaRPr>
+          </a:p>
+        </p:txBody>
+      </p:sp>
     </p:spTree>
     <p:extLst>
       <p:ext uri="{BB962C8B-B14F-4D97-AF65-F5344CB8AC3E}">
